--- a/data/output/unemployment_europe20200915.pptx
+++ b/data/output/unemployment_europe20200915.pptx
@@ -6,12 +6,12 @@
   </p:sldMasterIdLst>
   <p:sldIdLst>
     <p:sldId id="269" r:id="rId2"/>
-    <p:sldId id="258" r:id="rId3"/>
-    <p:sldId id="268" r:id="rId4"/>
-    <p:sldId id="263" r:id="rId5"/>
-    <p:sldId id="265" r:id="rId6"/>
-    <p:sldId id="266" r:id="rId7"/>
-    <p:sldId id="267" r:id="rId8"/>
+    <p:sldId id="268" r:id="rId3"/>
+    <p:sldId id="263" r:id="rId4"/>
+    <p:sldId id="265" r:id="rId5"/>
+    <p:sldId id="266" r:id="rId6"/>
+    <p:sldId id="267" r:id="rId7"/>
+    <p:sldId id="270" r:id="rId8"/>
   </p:sldIdLst>
   <p:sldSz cx="12192000" cy="6858000"/>
   <p:notesSz cx="6858000" cy="9144000"/>
@@ -110,6 +110,11 @@
       </a:defRPr>
     </a:lvl9pPr>
   </p:defaultTextStyle>
+  <p:extLst>
+    <p:ext uri="{EFAFB233-063F-42B5-8137-9DF3F51BA10A}">
+      <p15:sldGuideLst xmlns:p15="http://schemas.microsoft.com/office/powerpoint/2012/main"/>
+    </p:ext>
+  </p:extLst>
 </p:presentation>
 </file>
 
@@ -2747,9 +2752,24 @@
   <p:cSld>
     <p:bg>
       <p:bgPr>
-        <a:solidFill>
-          <a:schemeClr val="bg1"/>
-        </a:solidFill>
+        <a:gradFill flip="none" rotWithShape="1">
+          <a:gsLst>
+            <a:gs pos="0">
+              <a:schemeClr val="accent5">
+                <a:lumMod val="20000"/>
+                <a:lumOff val="80000"/>
+              </a:schemeClr>
+            </a:gs>
+            <a:gs pos="100000">
+              <a:schemeClr val="accent5">
+                <a:lumMod val="60000"/>
+                <a:lumOff val="40000"/>
+              </a:schemeClr>
+            </a:gs>
+          </a:gsLst>
+          <a:lin ang="5400000" scaled="1"/>
+          <a:tileRect/>
+        </a:gradFill>
         <a:effectLst/>
       </p:bgPr>
     </p:bg>
@@ -3316,14 +3336,6 @@
 <file path=ppt/slides/slide1.xml><?xml version="1.0" encoding="utf-8"?>
 <p:sld xmlns:a="http://schemas.openxmlformats.org/drawingml/2006/main" xmlns:r="http://schemas.openxmlformats.org/officeDocument/2006/relationships" xmlns:p="http://schemas.openxmlformats.org/presentationml/2006/main">
   <p:cSld>
-    <p:bg>
-      <p:bgPr>
-        <a:solidFill>
-          <a:schemeClr val="bg1"/>
-        </a:solidFill>
-        <a:effectLst/>
-      </p:bgPr>
-    </p:bg>
     <p:spTree>
       <p:nvGrpSpPr>
         <p:cNvPr id="1" name=""/>
@@ -3340,1179 +3352,6 @@
       </p:grpSpPr>
       <p:sp>
         <p:nvSpPr>
-          <p:cNvPr id="4100" name="Freeform 5">
-            <a:extLst>
-              <a:ext uri="{FF2B5EF4-FFF2-40B4-BE49-F238E27FC236}">
-                <a16:creationId xmlns:a16="http://schemas.microsoft.com/office/drawing/2014/main" id="{07322A9E-F1EC-405E-8971-BA906EFFCCB8}"/>
-              </a:ext>
-              <a:ext uri="{C183D7F6-B498-43B3-948B-1728B52AA6E4}">
-                <adec:decorative xmlns:adec="http://schemas.microsoft.com/office/drawing/2017/decorative" val="1"/>
-              </a:ext>
-            </a:extLst>
-          </p:cNvPr>
-          <p:cNvSpPr>
-            <a:spLocks noGrp="1" noRot="1" noChangeAspect="1" noMove="1" noResize="1" noEditPoints="1" noAdjustHandles="1" noChangeArrowheads="1" noChangeShapeType="1" noTextEdit="1"/>
-          </p:cNvSpPr>
-          <p:nvPr>
-            <p:extLst>
-              <p:ext uri="{386F3935-93C4-4BCD-93E2-E3B085C9AB24}">
-                <p16:designElem xmlns:p16="http://schemas.microsoft.com/office/powerpoint/2015/main" val="1"/>
-              </p:ext>
-            </p:extLst>
-          </p:nvPr>
-        </p:nvSpPr>
-        <p:spPr bwMode="auto">
-          <a:xfrm>
-            <a:off x="-329674" y="1290909"/>
-            <a:ext cx="9702800" cy="5573512"/>
-          </a:xfrm>
-          <a:custGeom>
-            <a:avLst/>
-            <a:gdLst>
-              <a:gd name="T0" fmla="*/ 1752 w 2038"/>
-              <a:gd name="T1" fmla="*/ 1169 h 1169"/>
-              <a:gd name="T2" fmla="*/ 1487 w 2038"/>
-              <a:gd name="T3" fmla="*/ 334 h 1169"/>
-              <a:gd name="T4" fmla="*/ 860 w 2038"/>
-              <a:gd name="T5" fmla="*/ 22 h 1169"/>
-              <a:gd name="T6" fmla="*/ 199 w 2038"/>
-              <a:gd name="T7" fmla="*/ 318 h 1169"/>
-              <a:gd name="T8" fmla="*/ 399 w 2038"/>
-              <a:gd name="T9" fmla="*/ 1165 h 1169"/>
-            </a:gdLst>
-            <a:ahLst/>
-            <a:cxnLst>
-              <a:cxn ang="0">
-                <a:pos x="T0" y="T1"/>
-              </a:cxn>
-              <a:cxn ang="0">
-                <a:pos x="T2" y="T3"/>
-              </a:cxn>
-              <a:cxn ang="0">
-                <a:pos x="T4" y="T5"/>
-              </a:cxn>
-              <a:cxn ang="0">
-                <a:pos x="T6" y="T7"/>
-              </a:cxn>
-              <a:cxn ang="0">
-                <a:pos x="T8" y="T9"/>
-              </a:cxn>
-            </a:cxnLst>
-            <a:rect l="0" t="0" r="r" b="b"/>
-            <a:pathLst>
-              <a:path w="2038" h="1169">
-                <a:moveTo>
-                  <a:pt x="1752" y="1169"/>
-                </a:moveTo>
-                <a:cubicBezTo>
-                  <a:pt x="2038" y="928"/>
-                  <a:pt x="1673" y="513"/>
-                  <a:pt x="1487" y="334"/>
-                </a:cubicBezTo>
-                <a:cubicBezTo>
-                  <a:pt x="1316" y="170"/>
-                  <a:pt x="1099" y="43"/>
-                  <a:pt x="860" y="22"/>
-                </a:cubicBezTo>
-                <a:cubicBezTo>
-                  <a:pt x="621" y="0"/>
-                  <a:pt x="341" y="128"/>
-                  <a:pt x="199" y="318"/>
-                </a:cubicBezTo>
-                <a:cubicBezTo>
-                  <a:pt x="0" y="586"/>
-                  <a:pt x="184" y="965"/>
-                  <a:pt x="399" y="1165"/>
-                </a:cubicBezTo>
-              </a:path>
-            </a:pathLst>
-          </a:custGeom>
-          <a:noFill/>
-          <a:ln w="9525" cap="flat">
-            <a:solidFill>
-              <a:schemeClr val="tx1">
-                <a:alpha val="20000"/>
-              </a:schemeClr>
-            </a:solidFill>
-            <a:prstDash val="solid"/>
-            <a:miter lim="800000"/>
-            <a:headEnd/>
-            <a:tailEnd/>
-          </a:ln>
-          <a:extLst>
-            <a:ext uri="{909E8E84-426E-40DD-AFC4-6F175D3DCCD1}">
-              <a14:hiddenFill xmlns:a14="http://schemas.microsoft.com/office/drawing/2010/main">
-                <a:solidFill>
-                  <a:srgbClr val="FFFFFF"/>
-                </a:solidFill>
-              </a14:hiddenFill>
-            </a:ext>
-          </a:extLst>
-        </p:spPr>
-        <p:txBody>
-          <a:bodyPr vert="horz" wrap="square" lIns="91440" tIns="45720" rIns="91440" bIns="45720" numCol="1" anchor="t" anchorCtr="0" compatLnSpc="1">
-            <a:prstTxWarp prst="textNoShape">
-              <a:avLst/>
-            </a:prstTxWarp>
-          </a:bodyPr>
-          <a:lstStyle/>
-          <a:p>
-            <a:endParaRPr lang="en-US"/>
-          </a:p>
-        </p:txBody>
-      </p:sp>
-      <p:sp>
-        <p:nvSpPr>
-          <p:cNvPr id="73" name="Freeform 6">
-            <a:extLst>
-              <a:ext uri="{FF2B5EF4-FFF2-40B4-BE49-F238E27FC236}">
-                <a16:creationId xmlns:a16="http://schemas.microsoft.com/office/drawing/2014/main" id="{A5704422-1118-4FD1-95AD-29A064EB80D9}"/>
-              </a:ext>
-              <a:ext uri="{C183D7F6-B498-43B3-948B-1728B52AA6E4}">
-                <adec:decorative xmlns:adec="http://schemas.microsoft.com/office/drawing/2017/decorative" val="1"/>
-              </a:ext>
-            </a:extLst>
-          </p:cNvPr>
-          <p:cNvSpPr>
-            <a:spLocks noGrp="1" noRot="1" noChangeAspect="1" noMove="1" noResize="1" noEditPoints="1" noAdjustHandles="1" noChangeArrowheads="1" noChangeShapeType="1" noTextEdit="1"/>
-          </p:cNvSpPr>
-          <p:nvPr>
-            <p:extLst>
-              <p:ext uri="{386F3935-93C4-4BCD-93E2-E3B085C9AB24}">
-                <p16:designElem xmlns:p16="http://schemas.microsoft.com/office/powerpoint/2015/main" val="1"/>
-              </p:ext>
-            </p:extLst>
-          </p:nvPr>
-        </p:nvSpPr>
-        <p:spPr bwMode="auto">
-          <a:xfrm>
-            <a:off x="670451" y="2010741"/>
-            <a:ext cx="7373938" cy="4848892"/>
-          </a:xfrm>
-          <a:custGeom>
-            <a:avLst/>
-            <a:gdLst>
-              <a:gd name="T0" fmla="*/ 1025 w 1549"/>
-              <a:gd name="T1" fmla="*/ 1016 h 1017"/>
-              <a:gd name="T2" fmla="*/ 1443 w 1549"/>
-              <a:gd name="T3" fmla="*/ 592 h 1017"/>
-              <a:gd name="T4" fmla="*/ 782 w 1549"/>
-              <a:gd name="T5" fmla="*/ 53 h 1017"/>
-              <a:gd name="T6" fmla="*/ 150 w 1549"/>
-              <a:gd name="T7" fmla="*/ 329 h 1017"/>
-              <a:gd name="T8" fmla="*/ 477 w 1549"/>
-              <a:gd name="T9" fmla="*/ 1017 h 1017"/>
-            </a:gdLst>
-            <a:ahLst/>
-            <a:cxnLst>
-              <a:cxn ang="0">
-                <a:pos x="T0" y="T1"/>
-              </a:cxn>
-              <a:cxn ang="0">
-                <a:pos x="T2" y="T3"/>
-              </a:cxn>
-              <a:cxn ang="0">
-                <a:pos x="T4" y="T5"/>
-              </a:cxn>
-              <a:cxn ang="0">
-                <a:pos x="T6" y="T7"/>
-              </a:cxn>
-              <a:cxn ang="0">
-                <a:pos x="T8" y="T9"/>
-              </a:cxn>
-            </a:cxnLst>
-            <a:rect l="0" t="0" r="r" b="b"/>
-            <a:pathLst>
-              <a:path w="1549" h="1017">
-                <a:moveTo>
-                  <a:pt x="1025" y="1016"/>
-                </a:moveTo>
-                <a:cubicBezTo>
-                  <a:pt x="1223" y="971"/>
-                  <a:pt x="1549" y="857"/>
-                  <a:pt x="1443" y="592"/>
-                </a:cubicBezTo>
-                <a:cubicBezTo>
-                  <a:pt x="1344" y="344"/>
-                  <a:pt x="1041" y="111"/>
-                  <a:pt x="782" y="53"/>
-                </a:cubicBezTo>
-                <a:cubicBezTo>
-                  <a:pt x="545" y="0"/>
-                  <a:pt x="275" y="117"/>
-                  <a:pt x="150" y="329"/>
-                </a:cubicBezTo>
-                <a:cubicBezTo>
-                  <a:pt x="0" y="584"/>
-                  <a:pt x="243" y="911"/>
-                  <a:pt x="477" y="1017"/>
-                </a:cubicBezTo>
-              </a:path>
-            </a:pathLst>
-          </a:custGeom>
-          <a:noFill/>
-          <a:ln w="9525" cap="flat">
-            <a:solidFill>
-              <a:schemeClr val="tx1">
-                <a:alpha val="20000"/>
-              </a:schemeClr>
-            </a:solidFill>
-            <a:prstDash val="solid"/>
-            <a:miter lim="800000"/>
-            <a:headEnd/>
-            <a:tailEnd/>
-          </a:ln>
-          <a:extLst>
-            <a:ext uri="{909E8E84-426E-40DD-AFC4-6F175D3DCCD1}">
-              <a14:hiddenFill xmlns:a14="http://schemas.microsoft.com/office/drawing/2010/main">
-                <a:solidFill>
-                  <a:srgbClr val="FFFFFF"/>
-                </a:solidFill>
-              </a14:hiddenFill>
-            </a:ext>
-          </a:extLst>
-        </p:spPr>
-        <p:txBody>
-          <a:bodyPr vert="horz" wrap="square" lIns="91440" tIns="45720" rIns="91440" bIns="45720" numCol="1" anchor="t" anchorCtr="0" compatLnSpc="1">
-            <a:prstTxWarp prst="textNoShape">
-              <a:avLst/>
-            </a:prstTxWarp>
-          </a:bodyPr>
-          <a:lstStyle/>
-          <a:p>
-            <a:endParaRPr lang="en-US"/>
-          </a:p>
-        </p:txBody>
-      </p:sp>
-      <p:sp>
-        <p:nvSpPr>
-          <p:cNvPr id="75" name="Freeform 7">
-            <a:extLst>
-              <a:ext uri="{FF2B5EF4-FFF2-40B4-BE49-F238E27FC236}">
-                <a16:creationId xmlns:a16="http://schemas.microsoft.com/office/drawing/2014/main" id="{A88B2AAA-B805-498E-A9E6-98B885855498}"/>
-              </a:ext>
-              <a:ext uri="{C183D7F6-B498-43B3-948B-1728B52AA6E4}">
-                <adec:decorative xmlns:adec="http://schemas.microsoft.com/office/drawing/2017/decorative" val="1"/>
-              </a:ext>
-            </a:extLst>
-          </p:cNvPr>
-          <p:cNvSpPr>
-            <a:spLocks noGrp="1" noRot="1" noChangeAspect="1" noMove="1" noResize="1" noEditPoints="1" noAdjustHandles="1" noChangeArrowheads="1" noChangeShapeType="1" noTextEdit="1"/>
-          </p:cNvSpPr>
-          <p:nvPr>
-            <p:extLst>
-              <p:ext uri="{386F3935-93C4-4BCD-93E2-E3B085C9AB24}">
-                <p16:designElem xmlns:p16="http://schemas.microsoft.com/office/powerpoint/2015/main" val="1"/>
-              </p:ext>
-            </p:extLst>
-          </p:nvPr>
-        </p:nvSpPr>
-        <p:spPr bwMode="auto">
-          <a:xfrm>
-            <a:off x="251351" y="1780905"/>
-            <a:ext cx="8035925" cy="5083516"/>
-          </a:xfrm>
-          <a:custGeom>
-            <a:avLst/>
-            <a:gdLst>
-              <a:gd name="T0" fmla="*/ 1302 w 1688"/>
-              <a:gd name="T1" fmla="*/ 1066 h 1066"/>
-              <a:gd name="T2" fmla="*/ 1613 w 1688"/>
-              <a:gd name="T3" fmla="*/ 850 h 1066"/>
-              <a:gd name="T4" fmla="*/ 1517 w 1688"/>
-              <a:gd name="T5" fmla="*/ 471 h 1066"/>
-              <a:gd name="T6" fmla="*/ 798 w 1688"/>
-              <a:gd name="T7" fmla="*/ 28 h 1066"/>
-              <a:gd name="T8" fmla="*/ 181 w 1688"/>
-              <a:gd name="T9" fmla="*/ 333 h 1066"/>
-              <a:gd name="T10" fmla="*/ 420 w 1688"/>
-              <a:gd name="T11" fmla="*/ 1066 h 1066"/>
-            </a:gdLst>
-            <a:ahLst/>
-            <a:cxnLst>
-              <a:cxn ang="0">
-                <a:pos x="T0" y="T1"/>
-              </a:cxn>
-              <a:cxn ang="0">
-                <a:pos x="T2" y="T3"/>
-              </a:cxn>
-              <a:cxn ang="0">
-                <a:pos x="T4" y="T5"/>
-              </a:cxn>
-              <a:cxn ang="0">
-                <a:pos x="T6" y="T7"/>
-              </a:cxn>
-              <a:cxn ang="0">
-                <a:pos x="T8" y="T9"/>
-              </a:cxn>
-              <a:cxn ang="0">
-                <a:pos x="T10" y="T11"/>
-              </a:cxn>
-            </a:cxnLst>
-            <a:rect l="0" t="0" r="r" b="b"/>
-            <a:pathLst>
-              <a:path w="1688" h="1066">
-                <a:moveTo>
-                  <a:pt x="1302" y="1066"/>
-                </a:moveTo>
-                <a:cubicBezTo>
-                  <a:pt x="1416" y="1024"/>
-                  <a:pt x="1551" y="962"/>
-                  <a:pt x="1613" y="850"/>
-                </a:cubicBezTo>
-                <a:cubicBezTo>
-                  <a:pt x="1688" y="715"/>
-                  <a:pt x="1606" y="575"/>
-                  <a:pt x="1517" y="471"/>
-                </a:cubicBezTo>
-                <a:cubicBezTo>
-                  <a:pt x="1336" y="258"/>
-                  <a:pt x="1084" y="62"/>
-                  <a:pt x="798" y="28"/>
-                </a:cubicBezTo>
-                <a:cubicBezTo>
-                  <a:pt x="559" y="0"/>
-                  <a:pt x="317" y="138"/>
-                  <a:pt x="181" y="333"/>
-                </a:cubicBezTo>
-                <a:cubicBezTo>
-                  <a:pt x="0" y="592"/>
-                  <a:pt x="191" y="907"/>
-                  <a:pt x="420" y="1066"/>
-                </a:cubicBezTo>
-              </a:path>
-            </a:pathLst>
-          </a:custGeom>
-          <a:noFill/>
-          <a:ln w="9525" cap="flat">
-            <a:solidFill>
-              <a:schemeClr val="tx1">
-                <a:alpha val="20000"/>
-              </a:schemeClr>
-            </a:solidFill>
-            <a:prstDash val="dash"/>
-            <a:miter lim="800000"/>
-            <a:headEnd/>
-            <a:tailEnd/>
-          </a:ln>
-          <a:extLst>
-            <a:ext uri="{909E8E84-426E-40DD-AFC4-6F175D3DCCD1}">
-              <a14:hiddenFill xmlns:a14="http://schemas.microsoft.com/office/drawing/2010/main">
-                <a:solidFill>
-                  <a:srgbClr val="FFFFFF"/>
-                </a:solidFill>
-              </a14:hiddenFill>
-            </a:ext>
-          </a:extLst>
-        </p:spPr>
-        <p:txBody>
-          <a:bodyPr vert="horz" wrap="square" lIns="91440" tIns="45720" rIns="91440" bIns="45720" numCol="1" anchor="t" anchorCtr="0" compatLnSpc="1">
-            <a:prstTxWarp prst="textNoShape">
-              <a:avLst/>
-            </a:prstTxWarp>
-          </a:bodyPr>
-          <a:lstStyle/>
-          <a:p>
-            <a:endParaRPr lang="en-US"/>
-          </a:p>
-        </p:txBody>
-      </p:sp>
-      <p:sp>
-        <p:nvSpPr>
-          <p:cNvPr id="77" name="Freeform 8">
-            <a:extLst>
-              <a:ext uri="{FF2B5EF4-FFF2-40B4-BE49-F238E27FC236}">
-                <a16:creationId xmlns:a16="http://schemas.microsoft.com/office/drawing/2014/main" id="{9B8051E0-19D7-43E1-BFD9-E6DBFEB3A3F1}"/>
-              </a:ext>
-              <a:ext uri="{C183D7F6-B498-43B3-948B-1728B52AA6E4}">
-                <adec:decorative xmlns:adec="http://schemas.microsoft.com/office/drawing/2017/decorative" val="1"/>
-              </a:ext>
-            </a:extLst>
-          </p:cNvPr>
-          <p:cNvSpPr>
-            <a:spLocks noGrp="1" noRot="1" noChangeAspect="1" noMove="1" noResize="1" noEditPoints="1" noAdjustHandles="1" noChangeArrowheads="1" noChangeShapeType="1" noTextEdit="1"/>
-          </p:cNvSpPr>
-          <p:nvPr>
-            <p:extLst>
-              <p:ext uri="{386F3935-93C4-4BCD-93E2-E3B085C9AB24}">
-                <p16:designElem xmlns:p16="http://schemas.microsoft.com/office/powerpoint/2015/main" val="1"/>
-              </p:ext>
-            </p:extLst>
-          </p:nvPr>
-        </p:nvSpPr>
-        <p:spPr bwMode="auto">
-          <a:xfrm>
-            <a:off x="-1061" y="542347"/>
-            <a:ext cx="10334625" cy="6322075"/>
-          </a:xfrm>
-          <a:custGeom>
-            <a:avLst/>
-            <a:gdLst>
-              <a:gd name="T0" fmla="*/ 1873 w 2171"/>
-              <a:gd name="T1" fmla="*/ 1326 h 1326"/>
-              <a:gd name="T2" fmla="*/ 1609 w 2171"/>
-              <a:gd name="T3" fmla="*/ 473 h 1326"/>
-              <a:gd name="T4" fmla="*/ 880 w 2171"/>
-              <a:gd name="T5" fmla="*/ 63 h 1326"/>
-              <a:gd name="T6" fmla="*/ 0 w 2171"/>
-              <a:gd name="T7" fmla="*/ 423 h 1326"/>
-            </a:gdLst>
-            <a:ahLst/>
-            <a:cxnLst>
-              <a:cxn ang="0">
-                <a:pos x="T0" y="T1"/>
-              </a:cxn>
-              <a:cxn ang="0">
-                <a:pos x="T2" y="T3"/>
-              </a:cxn>
-              <a:cxn ang="0">
-                <a:pos x="T4" y="T5"/>
-              </a:cxn>
-              <a:cxn ang="0">
-                <a:pos x="T6" y="T7"/>
-              </a:cxn>
-            </a:cxnLst>
-            <a:rect l="0" t="0" r="r" b="b"/>
-            <a:pathLst>
-              <a:path w="2171" h="1326">
-                <a:moveTo>
-                  <a:pt x="1873" y="1326"/>
-                </a:moveTo>
-                <a:cubicBezTo>
-                  <a:pt x="2171" y="1045"/>
-                  <a:pt x="1825" y="678"/>
-                  <a:pt x="1609" y="473"/>
-                </a:cubicBezTo>
-                <a:cubicBezTo>
-                  <a:pt x="1406" y="281"/>
-                  <a:pt x="1159" y="116"/>
-                  <a:pt x="880" y="63"/>
-                </a:cubicBezTo>
-                <a:cubicBezTo>
-                  <a:pt x="545" y="0"/>
-                  <a:pt x="214" y="161"/>
-                  <a:pt x="0" y="423"/>
-                </a:cubicBezTo>
-              </a:path>
-            </a:pathLst>
-          </a:custGeom>
-          <a:noFill/>
-          <a:ln w="9525" cap="flat">
-            <a:solidFill>
-              <a:schemeClr val="tx1">
-                <a:alpha val="20000"/>
-              </a:schemeClr>
-            </a:solidFill>
-            <a:prstDash val="solid"/>
-            <a:miter lim="800000"/>
-            <a:headEnd/>
-            <a:tailEnd/>
-          </a:ln>
-          <a:extLst>
-            <a:ext uri="{909E8E84-426E-40DD-AFC4-6F175D3DCCD1}">
-              <a14:hiddenFill xmlns:a14="http://schemas.microsoft.com/office/drawing/2010/main">
-                <a:solidFill>
-                  <a:srgbClr val="FFFFFF"/>
-                </a:solidFill>
-              </a14:hiddenFill>
-            </a:ext>
-          </a:extLst>
-        </p:spPr>
-        <p:txBody>
-          <a:bodyPr vert="horz" wrap="square" lIns="91440" tIns="45720" rIns="91440" bIns="45720" numCol="1" anchor="t" anchorCtr="0" compatLnSpc="1">
-            <a:prstTxWarp prst="textNoShape">
-              <a:avLst/>
-            </a:prstTxWarp>
-          </a:bodyPr>
-          <a:lstStyle/>
-          <a:p>
-            <a:endParaRPr lang="en-US"/>
-          </a:p>
-        </p:txBody>
-      </p:sp>
-      <p:sp>
-        <p:nvSpPr>
-          <p:cNvPr id="79" name="Freeform 9">
-            <a:extLst>
-              <a:ext uri="{FF2B5EF4-FFF2-40B4-BE49-F238E27FC236}">
-                <a16:creationId xmlns:a16="http://schemas.microsoft.com/office/drawing/2014/main" id="{4EDB2B02-86A2-46F5-A4BE-B7D9B10411D6}"/>
-              </a:ext>
-              <a:ext uri="{C183D7F6-B498-43B3-948B-1728B52AA6E4}">
-                <adec:decorative xmlns:adec="http://schemas.microsoft.com/office/drawing/2017/decorative" val="1"/>
-              </a:ext>
-            </a:extLst>
-          </p:cNvPr>
-          <p:cNvSpPr>
-            <a:spLocks noGrp="1" noRot="1" noChangeAspect="1" noMove="1" noResize="1" noEditPoints="1" noAdjustHandles="1" noChangeArrowheads="1" noChangeShapeType="1" noTextEdit="1"/>
-          </p:cNvSpPr>
-          <p:nvPr>
-            <p:extLst>
-              <p:ext uri="{386F3935-93C4-4BCD-93E2-E3B085C9AB24}">
-                <p16:designElem xmlns:p16="http://schemas.microsoft.com/office/powerpoint/2015/main" val="1"/>
-              </p:ext>
-            </p:extLst>
-          </p:nvPr>
-        </p:nvSpPr>
-        <p:spPr bwMode="auto">
-          <a:xfrm>
-            <a:off x="3701" y="6178751"/>
-            <a:ext cx="504825" cy="681527"/>
-          </a:xfrm>
-          <a:custGeom>
-            <a:avLst/>
-            <a:gdLst>
-              <a:gd name="T0" fmla="*/ 0 w 106"/>
-              <a:gd name="T1" fmla="*/ 0 h 143"/>
-              <a:gd name="T2" fmla="*/ 106 w 106"/>
-              <a:gd name="T3" fmla="*/ 143 h 143"/>
-            </a:gdLst>
-            <a:ahLst/>
-            <a:cxnLst>
-              <a:cxn ang="0">
-                <a:pos x="T0" y="T1"/>
-              </a:cxn>
-              <a:cxn ang="0">
-                <a:pos x="T2" y="T3"/>
-              </a:cxn>
-            </a:cxnLst>
-            <a:rect l="0" t="0" r="r" b="b"/>
-            <a:pathLst>
-              <a:path w="106" h="143">
-                <a:moveTo>
-                  <a:pt x="0" y="0"/>
-                </a:moveTo>
-                <a:cubicBezTo>
-                  <a:pt x="35" y="54"/>
-                  <a:pt x="70" y="101"/>
-                  <a:pt x="106" y="143"/>
-                </a:cubicBezTo>
-              </a:path>
-            </a:pathLst>
-          </a:custGeom>
-          <a:noFill/>
-          <a:ln w="4763" cap="flat">
-            <a:solidFill>
-              <a:schemeClr val="tx1">
-                <a:alpha val="20000"/>
-              </a:schemeClr>
-            </a:solidFill>
-            <a:prstDash val="solid"/>
-            <a:miter lim="800000"/>
-            <a:headEnd/>
-            <a:tailEnd/>
-          </a:ln>
-          <a:extLst>
-            <a:ext uri="{909E8E84-426E-40DD-AFC4-6F175D3DCCD1}">
-              <a14:hiddenFill xmlns:a14="http://schemas.microsoft.com/office/drawing/2010/main">
-                <a:solidFill>
-                  <a:srgbClr val="FFFFFF"/>
-                </a:solidFill>
-              </a14:hiddenFill>
-            </a:ext>
-          </a:extLst>
-        </p:spPr>
-        <p:txBody>
-          <a:bodyPr vert="horz" wrap="square" lIns="91440" tIns="45720" rIns="91440" bIns="45720" numCol="1" anchor="t" anchorCtr="0" compatLnSpc="1">
-            <a:prstTxWarp prst="textNoShape">
-              <a:avLst/>
-            </a:prstTxWarp>
-          </a:bodyPr>
-          <a:lstStyle/>
-          <a:p>
-            <a:endParaRPr lang="en-US"/>
-          </a:p>
-        </p:txBody>
-      </p:sp>
-      <p:sp>
-        <p:nvSpPr>
-          <p:cNvPr id="81" name="Freeform 10">
-            <a:extLst>
-              <a:ext uri="{FF2B5EF4-FFF2-40B4-BE49-F238E27FC236}">
-                <a16:creationId xmlns:a16="http://schemas.microsoft.com/office/drawing/2014/main" id="{43954639-FB5D-41F4-9560-6F6DFE778425}"/>
-              </a:ext>
-              <a:ext uri="{C183D7F6-B498-43B3-948B-1728B52AA6E4}">
-                <adec:decorative xmlns:adec="http://schemas.microsoft.com/office/drawing/2017/decorative" val="1"/>
-              </a:ext>
-            </a:extLst>
-          </p:cNvPr>
-          <p:cNvSpPr>
-            <a:spLocks noGrp="1" noRot="1" noChangeAspect="1" noMove="1" noResize="1" noEditPoints="1" noAdjustHandles="1" noChangeArrowheads="1" noChangeShapeType="1" noTextEdit="1"/>
-          </p:cNvSpPr>
-          <p:nvPr>
-            <p:extLst>
-              <p:ext uri="{386F3935-93C4-4BCD-93E2-E3B085C9AB24}">
-                <p16:designElem xmlns:p16="http://schemas.microsoft.com/office/powerpoint/2015/main" val="1"/>
-              </p:ext>
-            </p:extLst>
-          </p:nvPr>
-        </p:nvSpPr>
-        <p:spPr bwMode="auto">
-          <a:xfrm>
-            <a:off x="-1061" y="-59376"/>
-            <a:ext cx="11091863" cy="6923796"/>
-          </a:xfrm>
-          <a:custGeom>
-            <a:avLst/>
-            <a:gdLst>
-              <a:gd name="T0" fmla="*/ 2046 w 2330"/>
-              <a:gd name="T1" fmla="*/ 1452 h 1452"/>
-              <a:gd name="T2" fmla="*/ 1813 w 2330"/>
-              <a:gd name="T3" fmla="*/ 601 h 1452"/>
-              <a:gd name="T4" fmla="*/ 956 w 2330"/>
-              <a:gd name="T5" fmla="*/ 97 h 1452"/>
-              <a:gd name="T6" fmla="*/ 0 w 2330"/>
-              <a:gd name="T7" fmla="*/ 366 h 1452"/>
-            </a:gdLst>
-            <a:ahLst/>
-            <a:cxnLst>
-              <a:cxn ang="0">
-                <a:pos x="T0" y="T1"/>
-              </a:cxn>
-              <a:cxn ang="0">
-                <a:pos x="T2" y="T3"/>
-              </a:cxn>
-              <a:cxn ang="0">
-                <a:pos x="T4" y="T5"/>
-              </a:cxn>
-              <a:cxn ang="0">
-                <a:pos x="T6" y="T7"/>
-              </a:cxn>
-            </a:cxnLst>
-            <a:rect l="0" t="0" r="r" b="b"/>
-            <a:pathLst>
-              <a:path w="2330" h="1452">
-                <a:moveTo>
-                  <a:pt x="2046" y="1452"/>
-                </a:moveTo>
-                <a:cubicBezTo>
-                  <a:pt x="2330" y="1153"/>
-                  <a:pt x="2049" y="821"/>
-                  <a:pt x="1813" y="601"/>
-                </a:cubicBezTo>
-                <a:cubicBezTo>
-                  <a:pt x="1569" y="375"/>
-                  <a:pt x="1282" y="179"/>
-                  <a:pt x="956" y="97"/>
-                </a:cubicBezTo>
-                <a:cubicBezTo>
-                  <a:pt x="572" y="0"/>
-                  <a:pt x="292" y="101"/>
-                  <a:pt x="0" y="366"/>
-                </a:cubicBezTo>
-              </a:path>
-            </a:pathLst>
-          </a:custGeom>
-          <a:noFill/>
-          <a:ln w="9525" cap="flat">
-            <a:solidFill>
-              <a:schemeClr val="tx1">
-                <a:alpha val="20000"/>
-              </a:schemeClr>
-            </a:solidFill>
-            <a:prstDash val="solid"/>
-            <a:miter lim="800000"/>
-            <a:headEnd/>
-            <a:tailEnd/>
-          </a:ln>
-          <a:extLst>
-            <a:ext uri="{909E8E84-426E-40DD-AFC4-6F175D3DCCD1}">
-              <a14:hiddenFill xmlns:a14="http://schemas.microsoft.com/office/drawing/2010/main">
-                <a:solidFill>
-                  <a:srgbClr val="FFFFFF"/>
-                </a:solidFill>
-              </a14:hiddenFill>
-            </a:ext>
-          </a:extLst>
-        </p:spPr>
-        <p:txBody>
-          <a:bodyPr vert="horz" wrap="square" lIns="91440" tIns="45720" rIns="91440" bIns="45720" numCol="1" anchor="t" anchorCtr="0" compatLnSpc="1">
-            <a:prstTxWarp prst="textNoShape">
-              <a:avLst/>
-            </a:prstTxWarp>
-          </a:bodyPr>
-          <a:lstStyle/>
-          <a:p>
-            <a:endParaRPr lang="en-US"/>
-          </a:p>
-        </p:txBody>
-      </p:sp>
-      <p:sp>
-        <p:nvSpPr>
-          <p:cNvPr id="83" name="Freeform 12">
-            <a:extLst>
-              <a:ext uri="{FF2B5EF4-FFF2-40B4-BE49-F238E27FC236}">
-                <a16:creationId xmlns:a16="http://schemas.microsoft.com/office/drawing/2014/main" id="{E898931C-0323-41FA-A036-20F818B1FF81}"/>
-              </a:ext>
-              <a:ext uri="{C183D7F6-B498-43B3-948B-1728B52AA6E4}">
-                <adec:decorative xmlns:adec="http://schemas.microsoft.com/office/drawing/2017/decorative" val="1"/>
-              </a:ext>
-            </a:extLst>
-          </p:cNvPr>
-          <p:cNvSpPr>
-            <a:spLocks noGrp="1" noRot="1" noChangeAspect="1" noMove="1" noResize="1" noEditPoints="1" noAdjustHandles="1" noChangeArrowheads="1" noChangeShapeType="1" noTextEdit="1"/>
-          </p:cNvSpPr>
-          <p:nvPr>
-            <p:extLst>
-              <p:ext uri="{386F3935-93C4-4BCD-93E2-E3B085C9AB24}">
-                <p16:designElem xmlns:p16="http://schemas.microsoft.com/office/powerpoint/2015/main" val="1"/>
-              </p:ext>
-            </p:extLst>
-          </p:nvPr>
-        </p:nvSpPr>
-        <p:spPr bwMode="auto">
-          <a:xfrm>
-            <a:off x="-1061" y="-1916"/>
-            <a:ext cx="1057275" cy="614491"/>
-          </a:xfrm>
-          <a:custGeom>
-            <a:avLst/>
-            <a:gdLst>
-              <a:gd name="T0" fmla="*/ 222 w 222"/>
-              <a:gd name="T1" fmla="*/ 0 h 129"/>
-              <a:gd name="T2" fmla="*/ 0 w 222"/>
-              <a:gd name="T3" fmla="*/ 129 h 129"/>
-            </a:gdLst>
-            <a:ahLst/>
-            <a:cxnLst>
-              <a:cxn ang="0">
-                <a:pos x="T0" y="T1"/>
-              </a:cxn>
-              <a:cxn ang="0">
-                <a:pos x="T2" y="T3"/>
-              </a:cxn>
-            </a:cxnLst>
-            <a:rect l="0" t="0" r="r" b="b"/>
-            <a:pathLst>
-              <a:path w="222" h="129">
-                <a:moveTo>
-                  <a:pt x="222" y="0"/>
-                </a:moveTo>
-                <a:cubicBezTo>
-                  <a:pt x="152" y="35"/>
-                  <a:pt x="76" y="78"/>
-                  <a:pt x="0" y="129"/>
-                </a:cubicBezTo>
-              </a:path>
-            </a:pathLst>
-          </a:custGeom>
-          <a:noFill/>
-          <a:ln w="9525" cap="flat">
-            <a:solidFill>
-              <a:schemeClr val="tx1">
-                <a:alpha val="20000"/>
-              </a:schemeClr>
-            </a:solidFill>
-            <a:prstDash val="solid"/>
-            <a:miter lim="800000"/>
-            <a:headEnd/>
-            <a:tailEnd/>
-          </a:ln>
-          <a:extLst>
-            <a:ext uri="{909E8E84-426E-40DD-AFC4-6F175D3DCCD1}">
-              <a14:hiddenFill xmlns:a14="http://schemas.microsoft.com/office/drawing/2010/main">
-                <a:solidFill>
-                  <a:srgbClr val="FFFFFF"/>
-                </a:solidFill>
-              </a14:hiddenFill>
-            </a:ext>
-          </a:extLst>
-        </p:spPr>
-        <p:txBody>
-          <a:bodyPr vert="horz" wrap="square" lIns="91440" tIns="45720" rIns="91440" bIns="45720" numCol="1" anchor="t" anchorCtr="0" compatLnSpc="1">
-            <a:prstTxWarp prst="textNoShape">
-              <a:avLst/>
-            </a:prstTxWarp>
-          </a:bodyPr>
-          <a:lstStyle/>
-          <a:p>
-            <a:endParaRPr lang="en-US"/>
-          </a:p>
-        </p:txBody>
-      </p:sp>
-      <p:sp>
-        <p:nvSpPr>
-          <p:cNvPr id="85" name="Freeform 14">
-            <a:extLst>
-              <a:ext uri="{FF2B5EF4-FFF2-40B4-BE49-F238E27FC236}">
-                <a16:creationId xmlns:a16="http://schemas.microsoft.com/office/drawing/2014/main" id="{89AFE9DD-0792-4B98-B4EB-97ACA17E6AA8}"/>
-              </a:ext>
-              <a:ext uri="{C183D7F6-B498-43B3-948B-1728B52AA6E4}">
-                <adec:decorative xmlns:adec="http://schemas.microsoft.com/office/drawing/2017/decorative" val="1"/>
-              </a:ext>
-            </a:extLst>
-          </p:cNvPr>
-          <p:cNvSpPr>
-            <a:spLocks noGrp="1" noRot="1" noChangeAspect="1" noMove="1" noResize="1" noEditPoints="1" noAdjustHandles="1" noChangeArrowheads="1" noChangeShapeType="1" noTextEdit="1"/>
-          </p:cNvSpPr>
-          <p:nvPr>
-            <p:extLst>
-              <p:ext uri="{386F3935-93C4-4BCD-93E2-E3B085C9AB24}">
-                <p16:designElem xmlns:p16="http://schemas.microsoft.com/office/powerpoint/2015/main" val="1"/>
-              </p:ext>
-            </p:extLst>
-          </p:nvPr>
-        </p:nvSpPr>
-        <p:spPr bwMode="auto">
-          <a:xfrm>
-            <a:off x="3701" y="-6705"/>
-            <a:ext cx="595313" cy="352734"/>
-          </a:xfrm>
-          <a:custGeom>
-            <a:avLst/>
-            <a:gdLst>
-              <a:gd name="T0" fmla="*/ 125 w 125"/>
-              <a:gd name="T1" fmla="*/ 0 h 74"/>
-              <a:gd name="T2" fmla="*/ 0 w 125"/>
-              <a:gd name="T3" fmla="*/ 74 h 74"/>
-            </a:gdLst>
-            <a:ahLst/>
-            <a:cxnLst>
-              <a:cxn ang="0">
-                <a:pos x="T0" y="T1"/>
-              </a:cxn>
-              <a:cxn ang="0">
-                <a:pos x="T2" y="T3"/>
-              </a:cxn>
-            </a:cxnLst>
-            <a:rect l="0" t="0" r="r" b="b"/>
-            <a:pathLst>
-              <a:path w="125" h="74">
-                <a:moveTo>
-                  <a:pt x="125" y="0"/>
-                </a:moveTo>
-                <a:cubicBezTo>
-                  <a:pt x="85" y="22"/>
-                  <a:pt x="43" y="47"/>
-                  <a:pt x="0" y="74"/>
-                </a:cubicBezTo>
-              </a:path>
-            </a:pathLst>
-          </a:custGeom>
-          <a:noFill/>
-          <a:ln w="9525" cap="flat">
-            <a:solidFill>
-              <a:schemeClr val="tx1">
-                <a:alpha val="20000"/>
-              </a:schemeClr>
-            </a:solidFill>
-            <a:prstDash val="dash"/>
-            <a:miter lim="800000"/>
-            <a:headEnd/>
-            <a:tailEnd/>
-          </a:ln>
-          <a:extLst>
-            <a:ext uri="{909E8E84-426E-40DD-AFC4-6F175D3DCCD1}">
-              <a14:hiddenFill xmlns:a14="http://schemas.microsoft.com/office/drawing/2010/main">
-                <a:solidFill>
-                  <a:srgbClr val="FFFFFF"/>
-                </a:solidFill>
-              </a14:hiddenFill>
-            </a:ext>
-          </a:extLst>
-        </p:spPr>
-        <p:txBody>
-          <a:bodyPr vert="horz" wrap="square" lIns="91440" tIns="45720" rIns="91440" bIns="45720" numCol="1" anchor="t" anchorCtr="0" compatLnSpc="1">
-            <a:prstTxWarp prst="textNoShape">
-              <a:avLst/>
-            </a:prstTxWarp>
-          </a:bodyPr>
-          <a:lstStyle/>
-          <a:p>
-            <a:endParaRPr lang="en-US"/>
-          </a:p>
-        </p:txBody>
-      </p:sp>
-      <p:sp>
-        <p:nvSpPr>
-          <p:cNvPr id="87" name="Freeform 16">
-            <a:extLst>
-              <a:ext uri="{FF2B5EF4-FFF2-40B4-BE49-F238E27FC236}">
-                <a16:creationId xmlns:a16="http://schemas.microsoft.com/office/drawing/2014/main" id="{3981F5C4-9AE1-404E-AF44-A4E6DB374F9D}"/>
-              </a:ext>
-              <a:ext uri="{C183D7F6-B498-43B3-948B-1728B52AA6E4}">
-                <adec:decorative xmlns:adec="http://schemas.microsoft.com/office/drawing/2017/decorative" val="1"/>
-              </a:ext>
-            </a:extLst>
-          </p:cNvPr>
-          <p:cNvSpPr>
-            <a:spLocks noGrp="1" noRot="1" noChangeAspect="1" noMove="1" noResize="1" noEditPoints="1" noAdjustHandles="1" noChangeArrowheads="1" noChangeShapeType="1" noTextEdit="1"/>
-          </p:cNvSpPr>
-          <p:nvPr>
-            <p:extLst>
-              <p:ext uri="{386F3935-93C4-4BCD-93E2-E3B085C9AB24}">
-                <p16:designElem xmlns:p16="http://schemas.microsoft.com/office/powerpoint/2015/main" val="1"/>
-              </p:ext>
-            </p:extLst>
-          </p:nvPr>
-        </p:nvSpPr>
-        <p:spPr bwMode="auto">
-          <a:xfrm>
-            <a:off x="-1061" y="-1916"/>
-            <a:ext cx="357188" cy="213875"/>
-          </a:xfrm>
-          <a:custGeom>
-            <a:avLst/>
-            <a:gdLst>
-              <a:gd name="T0" fmla="*/ 75 w 75"/>
-              <a:gd name="T1" fmla="*/ 0 h 45"/>
-              <a:gd name="T2" fmla="*/ 0 w 75"/>
-              <a:gd name="T3" fmla="*/ 45 h 45"/>
-            </a:gdLst>
-            <a:ahLst/>
-            <a:cxnLst>
-              <a:cxn ang="0">
-                <a:pos x="T0" y="T1"/>
-              </a:cxn>
-              <a:cxn ang="0">
-                <a:pos x="T2" y="T3"/>
-              </a:cxn>
-            </a:cxnLst>
-            <a:rect l="0" t="0" r="r" b="b"/>
-            <a:pathLst>
-              <a:path w="75" h="45">
-                <a:moveTo>
-                  <a:pt x="75" y="0"/>
-                </a:moveTo>
-                <a:cubicBezTo>
-                  <a:pt x="50" y="14"/>
-                  <a:pt x="25" y="29"/>
-                  <a:pt x="0" y="45"/>
-                </a:cubicBezTo>
-              </a:path>
-            </a:pathLst>
-          </a:custGeom>
-          <a:noFill/>
-          <a:ln w="12700" cap="flat">
-            <a:solidFill>
-              <a:schemeClr val="tx1">
-                <a:alpha val="20000"/>
-              </a:schemeClr>
-            </a:solidFill>
-            <a:prstDash val="dashDot"/>
-            <a:miter lim="800000"/>
-            <a:headEnd/>
-            <a:tailEnd/>
-          </a:ln>
-          <a:extLst>
-            <a:ext uri="{909E8E84-426E-40DD-AFC4-6F175D3DCCD1}">
-              <a14:hiddenFill xmlns:a14="http://schemas.microsoft.com/office/drawing/2010/main">
-                <a:solidFill>
-                  <a:srgbClr val="FFFFFF"/>
-                </a:solidFill>
-              </a14:hiddenFill>
-            </a:ext>
-          </a:extLst>
-        </p:spPr>
-        <p:txBody>
-          <a:bodyPr vert="horz" wrap="square" lIns="91440" tIns="45720" rIns="91440" bIns="45720" numCol="1" anchor="t" anchorCtr="0" compatLnSpc="1">
-            <a:prstTxWarp prst="textNoShape">
-              <a:avLst/>
-            </a:prstTxWarp>
-          </a:bodyPr>
-          <a:lstStyle/>
-          <a:p>
-            <a:endParaRPr lang="en-US"/>
-          </a:p>
-        </p:txBody>
-      </p:sp>
-      <p:sp>
-        <p:nvSpPr>
-          <p:cNvPr id="89" name="Freeform 11">
-            <a:extLst>
-              <a:ext uri="{FF2B5EF4-FFF2-40B4-BE49-F238E27FC236}">
-                <a16:creationId xmlns:a16="http://schemas.microsoft.com/office/drawing/2014/main" id="{763C1781-8726-4FAC-8C45-FF40376BE409}"/>
-              </a:ext>
-              <a:ext uri="{C183D7F6-B498-43B3-948B-1728B52AA6E4}">
-                <adec:decorative xmlns:adec="http://schemas.microsoft.com/office/drawing/2017/decorative" val="1"/>
-              </a:ext>
-            </a:extLst>
-          </p:cNvPr>
-          <p:cNvSpPr>
-            <a:spLocks noGrp="1" noRot="1" noChangeAspect="1" noMove="1" noResize="1" noEditPoints="1" noAdjustHandles="1" noChangeArrowheads="1" noChangeShapeType="1" noTextEdit="1"/>
-          </p:cNvSpPr>
-          <p:nvPr>
-            <p:extLst>
-              <p:ext uri="{386F3935-93C4-4BCD-93E2-E3B085C9AB24}">
-                <p16:designElem xmlns:p16="http://schemas.microsoft.com/office/powerpoint/2015/main" val="1"/>
-              </p:ext>
-            </p:extLst>
-          </p:nvPr>
-        </p:nvSpPr>
-        <p:spPr bwMode="auto">
-          <a:xfrm>
-            <a:off x="5426601" y="-1916"/>
-            <a:ext cx="5788025" cy="6847184"/>
-          </a:xfrm>
-          <a:custGeom>
-            <a:avLst/>
-            <a:gdLst>
-              <a:gd name="T0" fmla="*/ 1094 w 1216"/>
-              <a:gd name="T1" fmla="*/ 1436 h 1436"/>
-              <a:gd name="T2" fmla="*/ 709 w 1216"/>
-              <a:gd name="T3" fmla="*/ 551 h 1436"/>
-              <a:gd name="T4" fmla="*/ 0 w 1216"/>
-              <a:gd name="T5" fmla="*/ 0 h 1436"/>
-            </a:gdLst>
-            <a:ahLst/>
-            <a:cxnLst>
-              <a:cxn ang="0">
-                <a:pos x="T0" y="T1"/>
-              </a:cxn>
-              <a:cxn ang="0">
-                <a:pos x="T2" y="T3"/>
-              </a:cxn>
-              <a:cxn ang="0">
-                <a:pos x="T4" y="T5"/>
-              </a:cxn>
-            </a:cxnLst>
-            <a:rect l="0" t="0" r="r" b="b"/>
-            <a:pathLst>
-              <a:path w="1216" h="1436">
-                <a:moveTo>
-                  <a:pt x="1094" y="1436"/>
-                </a:moveTo>
-                <a:cubicBezTo>
-                  <a:pt x="1216" y="1114"/>
-                  <a:pt x="904" y="770"/>
-                  <a:pt x="709" y="551"/>
-                </a:cubicBezTo>
-                <a:cubicBezTo>
-                  <a:pt x="509" y="327"/>
-                  <a:pt x="274" y="127"/>
-                  <a:pt x="0" y="0"/>
-                </a:cubicBezTo>
-              </a:path>
-            </a:pathLst>
-          </a:custGeom>
-          <a:noFill/>
-          <a:ln w="9525" cap="flat">
-            <a:solidFill>
-              <a:schemeClr val="tx1">
-                <a:alpha val="20000"/>
-              </a:schemeClr>
-            </a:solidFill>
-            <a:prstDash val="solid"/>
-            <a:miter lim="800000"/>
-            <a:headEnd/>
-            <a:tailEnd/>
-          </a:ln>
-          <a:extLst>
-            <a:ext uri="{909E8E84-426E-40DD-AFC4-6F175D3DCCD1}">
-              <a14:hiddenFill xmlns:a14="http://schemas.microsoft.com/office/drawing/2010/main">
-                <a:solidFill>
-                  <a:srgbClr val="FFFFFF"/>
-                </a:solidFill>
-              </a14:hiddenFill>
-            </a:ext>
-          </a:extLst>
-        </p:spPr>
-        <p:txBody>
-          <a:bodyPr vert="horz" wrap="square" lIns="91440" tIns="45720" rIns="91440" bIns="45720" numCol="1" anchor="t" anchorCtr="0" compatLnSpc="1">
-            <a:prstTxWarp prst="textNoShape">
-              <a:avLst/>
-            </a:prstTxWarp>
-          </a:bodyPr>
-          <a:lstStyle/>
-          <a:p>
-            <a:endParaRPr lang="en-US"/>
-          </a:p>
-        </p:txBody>
-      </p:sp>
-      <p:sp>
-        <p:nvSpPr>
-          <p:cNvPr id="91" name="Freeform 21">
-            <a:extLst>
-              <a:ext uri="{FF2B5EF4-FFF2-40B4-BE49-F238E27FC236}">
-                <a16:creationId xmlns:a16="http://schemas.microsoft.com/office/drawing/2014/main" id="{301491B5-56C7-43DC-A3D9-861EECCA056A}"/>
-              </a:ext>
-              <a:ext uri="{C183D7F6-B498-43B3-948B-1728B52AA6E4}">
-                <adec:decorative xmlns:adec="http://schemas.microsoft.com/office/drawing/2017/decorative" val="1"/>
-              </a:ext>
-            </a:extLst>
-          </p:cNvPr>
-          <p:cNvSpPr>
-            <a:spLocks noGrp="1" noRot="1" noChangeAspect="1" noMove="1" noResize="1" noEditPoints="1" noAdjustHandles="1" noChangeArrowheads="1" noChangeShapeType="1" noTextEdit="1"/>
-          </p:cNvSpPr>
-          <p:nvPr>
-            <p:extLst>
-              <p:ext uri="{386F3935-93C4-4BCD-93E2-E3B085C9AB24}">
-                <p16:designElem xmlns:p16="http://schemas.microsoft.com/office/powerpoint/2015/main" val="1"/>
-              </p:ext>
-            </p:extLst>
-          </p:nvPr>
-        </p:nvSpPr>
-        <p:spPr bwMode="auto">
-          <a:xfrm>
-            <a:off x="9235014" y="2872"/>
-            <a:ext cx="2951163" cy="2555325"/>
-          </a:xfrm>
-          <a:custGeom>
-            <a:avLst/>
-            <a:gdLst>
-              <a:gd name="T0" fmla="*/ 620 w 620"/>
-              <a:gd name="T1" fmla="*/ 536 h 536"/>
-              <a:gd name="T2" fmla="*/ 0 w 620"/>
-              <a:gd name="T3" fmla="*/ 0 h 536"/>
-            </a:gdLst>
-            <a:ahLst/>
-            <a:cxnLst>
-              <a:cxn ang="0">
-                <a:pos x="T0" y="T1"/>
-              </a:cxn>
-              <a:cxn ang="0">
-                <a:pos x="T2" y="T3"/>
-              </a:cxn>
-            </a:cxnLst>
-            <a:rect l="0" t="0" r="r" b="b"/>
-            <a:pathLst>
-              <a:path w="620" h="536">
-                <a:moveTo>
-                  <a:pt x="620" y="536"/>
-                </a:moveTo>
-                <a:cubicBezTo>
-                  <a:pt x="404" y="314"/>
-                  <a:pt x="196" y="138"/>
-                  <a:pt x="0" y="0"/>
-                </a:cubicBezTo>
-              </a:path>
-            </a:pathLst>
-          </a:custGeom>
-          <a:noFill/>
-          <a:ln w="9525" cap="flat">
-            <a:solidFill>
-              <a:schemeClr val="tx1">
-                <a:alpha val="20000"/>
-              </a:schemeClr>
-            </a:solidFill>
-            <a:prstDash val="solid"/>
-            <a:miter lim="800000"/>
-            <a:headEnd/>
-            <a:tailEnd/>
-          </a:ln>
-          <a:extLst>
-            <a:ext uri="{909E8E84-426E-40DD-AFC4-6F175D3DCCD1}">
-              <a14:hiddenFill xmlns:a14="http://schemas.microsoft.com/office/drawing/2010/main">
-                <a:solidFill>
-                  <a:srgbClr val="FFFFFF"/>
-                </a:solidFill>
-              </a14:hiddenFill>
-            </a:ext>
-          </a:extLst>
-        </p:spPr>
-        <p:txBody>
-          <a:bodyPr vert="horz" wrap="square" lIns="91440" tIns="45720" rIns="91440" bIns="45720" numCol="1" anchor="t" anchorCtr="0" compatLnSpc="1">
-            <a:prstTxWarp prst="textNoShape">
-              <a:avLst/>
-            </a:prstTxWarp>
-          </a:bodyPr>
-          <a:lstStyle/>
-          <a:p>
-            <a:endParaRPr lang="en-US"/>
-          </a:p>
-        </p:txBody>
-      </p:sp>
-      <p:sp>
-        <p:nvSpPr>
           <p:cNvPr id="2" name="Title 1">
             <a:extLst>
               <a:ext uri="{FF2B5EF4-FFF2-40B4-BE49-F238E27FC236}">
@@ -4529,7 +3368,7 @@
         </p:nvSpPr>
         <p:spPr>
           <a:xfrm>
-            <a:off x="8240842" y="549593"/>
+            <a:off x="7642749" y="1211104"/>
             <a:ext cx="3679031" cy="1323023"/>
           </a:xfrm>
         </p:spPr>
@@ -4540,7 +3379,7 @@
           <a:lstStyle/>
           <a:p>
             <a:r>
-              <a:rPr lang="de-DE" sz="3600">
+              <a:rPr lang="de-DE" sz="3600" dirty="0">
                 <a:ln w="0"/>
                 <a:solidFill>
                   <a:schemeClr val="accent1">
@@ -4561,7 +3400,7 @@
               <a:t>UNEMPLOYMENT  </a:t>
             </a:r>
             <a:br>
-              <a:rPr lang="de-DE" sz="3600">
+              <a:rPr lang="de-DE" sz="3600" dirty="0">
                 <a:ln w="0"/>
                 <a:solidFill>
                   <a:schemeClr val="accent1">
@@ -4581,7 +3420,7 @@
               </a:rPr>
             </a:br>
             <a:r>
-              <a:rPr lang="de-DE" sz="3600">
+              <a:rPr lang="de-DE" sz="3600" dirty="0">
                 <a:ln w="0"/>
                 <a:solidFill>
                   <a:schemeClr val="accent1">
@@ -4622,391 +3461,6 @@
           </a:p>
         </p:txBody>
       </p:sp>
-      <p:sp>
-        <p:nvSpPr>
-          <p:cNvPr id="93" name="Freeform 22">
-            <a:extLst>
-              <a:ext uri="{FF2B5EF4-FFF2-40B4-BE49-F238E27FC236}">
-                <a16:creationId xmlns:a16="http://schemas.microsoft.com/office/drawing/2014/main" id="{237E2353-22DF-46E0-A200-FB30F8F394E2}"/>
-              </a:ext>
-              <a:ext uri="{C183D7F6-B498-43B3-948B-1728B52AA6E4}">
-                <adec:decorative xmlns:adec="http://schemas.microsoft.com/office/drawing/2017/decorative" val="1"/>
-              </a:ext>
-            </a:extLst>
-          </p:cNvPr>
-          <p:cNvSpPr>
-            <a:spLocks noGrp="1" noRot="1" noChangeAspect="1" noMove="1" noResize="1" noEditPoints="1" noAdjustHandles="1" noChangeArrowheads="1" noChangeShapeType="1" noTextEdit="1"/>
-          </p:cNvSpPr>
-          <p:nvPr>
-            <p:extLst>
-              <p:ext uri="{386F3935-93C4-4BCD-93E2-E3B085C9AB24}">
-                <p16:designElem xmlns:p16="http://schemas.microsoft.com/office/powerpoint/2015/main" val="1"/>
-              </p:ext>
-            </p:extLst>
-          </p:nvPr>
-        </p:nvSpPr>
-        <p:spPr bwMode="auto">
-          <a:xfrm>
-            <a:off x="10020826" y="-1916"/>
-            <a:ext cx="2165350" cy="1358265"/>
-          </a:xfrm>
-          <a:custGeom>
-            <a:avLst/>
-            <a:gdLst>
-              <a:gd name="T0" fmla="*/ 0 w 455"/>
-              <a:gd name="T1" fmla="*/ 0 h 285"/>
-              <a:gd name="T2" fmla="*/ 455 w 455"/>
-              <a:gd name="T3" fmla="*/ 285 h 285"/>
-            </a:gdLst>
-            <a:ahLst/>
-            <a:cxnLst>
-              <a:cxn ang="0">
-                <a:pos x="T0" y="T1"/>
-              </a:cxn>
-              <a:cxn ang="0">
-                <a:pos x="T2" y="T3"/>
-              </a:cxn>
-            </a:cxnLst>
-            <a:rect l="0" t="0" r="r" b="b"/>
-            <a:pathLst>
-              <a:path w="455" h="285">
-                <a:moveTo>
-                  <a:pt x="0" y="0"/>
-                </a:moveTo>
-                <a:cubicBezTo>
-                  <a:pt x="153" y="85"/>
-                  <a:pt x="308" y="180"/>
-                  <a:pt x="455" y="285"/>
-                </a:cubicBezTo>
-              </a:path>
-            </a:pathLst>
-          </a:custGeom>
-          <a:noFill/>
-          <a:ln w="9525" cap="flat">
-            <a:solidFill>
-              <a:schemeClr val="tx1">
-                <a:alpha val="20000"/>
-              </a:schemeClr>
-            </a:solidFill>
-            <a:prstDash val="dash"/>
-            <a:miter lim="800000"/>
-            <a:headEnd/>
-            <a:tailEnd/>
-          </a:ln>
-          <a:extLst>
-            <a:ext uri="{909E8E84-426E-40DD-AFC4-6F175D3DCCD1}">
-              <a14:hiddenFill xmlns:a14="http://schemas.microsoft.com/office/drawing/2010/main">
-                <a:solidFill>
-                  <a:srgbClr val="FFFFFF"/>
-                </a:solidFill>
-              </a14:hiddenFill>
-            </a:ext>
-          </a:extLst>
-        </p:spPr>
-        <p:txBody>
-          <a:bodyPr vert="horz" wrap="square" lIns="91440" tIns="45720" rIns="91440" bIns="45720" numCol="1" anchor="t" anchorCtr="0" compatLnSpc="1">
-            <a:prstTxWarp prst="textNoShape">
-              <a:avLst/>
-            </a:prstTxWarp>
-          </a:bodyPr>
-          <a:lstStyle/>
-          <a:p>
-            <a:endParaRPr lang="en-US"/>
-          </a:p>
-        </p:txBody>
-      </p:sp>
-      <p:sp>
-        <p:nvSpPr>
-          <p:cNvPr id="95" name="Freeform 23">
-            <a:extLst>
-              <a:ext uri="{FF2B5EF4-FFF2-40B4-BE49-F238E27FC236}">
-                <a16:creationId xmlns:a16="http://schemas.microsoft.com/office/drawing/2014/main" id="{DD6138DB-057B-45F7-A5F4-E7BFDA20D02C}"/>
-              </a:ext>
-              <a:ext uri="{C183D7F6-B498-43B3-948B-1728B52AA6E4}">
-                <adec:decorative xmlns:adec="http://schemas.microsoft.com/office/drawing/2017/decorative" val="1"/>
-              </a:ext>
-            </a:extLst>
-          </p:cNvPr>
-          <p:cNvSpPr>
-            <a:spLocks noGrp="1" noRot="1" noChangeAspect="1" noMove="1" noResize="1" noEditPoints="1" noAdjustHandles="1" noChangeArrowheads="1" noChangeShapeType="1" noTextEdit="1"/>
-          </p:cNvSpPr>
-          <p:nvPr>
-            <p:extLst>
-              <p:ext uri="{386F3935-93C4-4BCD-93E2-E3B085C9AB24}">
-                <p16:designElem xmlns:p16="http://schemas.microsoft.com/office/powerpoint/2015/main" val="1"/>
-              </p:ext>
-            </p:extLst>
-          </p:nvPr>
-        </p:nvSpPr>
-        <p:spPr bwMode="auto">
-          <a:xfrm>
-            <a:off x="11290826" y="-1916"/>
-            <a:ext cx="895350" cy="534687"/>
-          </a:xfrm>
-          <a:custGeom>
-            <a:avLst/>
-            <a:gdLst>
-              <a:gd name="T0" fmla="*/ 0 w 188"/>
-              <a:gd name="T1" fmla="*/ 0 h 112"/>
-              <a:gd name="T2" fmla="*/ 188 w 188"/>
-              <a:gd name="T3" fmla="*/ 112 h 112"/>
-            </a:gdLst>
-            <a:ahLst/>
-            <a:cxnLst>
-              <a:cxn ang="0">
-                <a:pos x="T0" y="T1"/>
-              </a:cxn>
-              <a:cxn ang="0">
-                <a:pos x="T2" y="T3"/>
-              </a:cxn>
-            </a:cxnLst>
-            <a:rect l="0" t="0" r="r" b="b"/>
-            <a:pathLst>
-              <a:path w="188" h="112">
-                <a:moveTo>
-                  <a:pt x="0" y="0"/>
-                </a:moveTo>
-                <a:cubicBezTo>
-                  <a:pt x="63" y="36"/>
-                  <a:pt x="126" y="73"/>
-                  <a:pt x="188" y="112"/>
-                </a:cubicBezTo>
-              </a:path>
-            </a:pathLst>
-          </a:custGeom>
-          <a:noFill/>
-          <a:ln w="9525" cap="flat">
-            <a:solidFill>
-              <a:schemeClr val="tx1">
-                <a:alpha val="20000"/>
-              </a:schemeClr>
-            </a:solidFill>
-            <a:prstDash val="solid"/>
-            <a:miter lim="800000"/>
-            <a:headEnd/>
-            <a:tailEnd/>
-          </a:ln>
-          <a:extLst>
-            <a:ext uri="{909E8E84-426E-40DD-AFC4-6F175D3DCCD1}">
-              <a14:hiddenFill xmlns:a14="http://schemas.microsoft.com/office/drawing/2010/main">
-                <a:solidFill>
-                  <a:srgbClr val="FFFFFF"/>
-                </a:solidFill>
-              </a14:hiddenFill>
-            </a:ext>
-          </a:extLst>
-        </p:spPr>
-        <p:txBody>
-          <a:bodyPr vert="horz" wrap="square" lIns="91440" tIns="45720" rIns="91440" bIns="45720" numCol="1" anchor="t" anchorCtr="0" compatLnSpc="1">
-            <a:prstTxWarp prst="textNoShape">
-              <a:avLst/>
-            </a:prstTxWarp>
-          </a:bodyPr>
-          <a:lstStyle/>
-          <a:p>
-            <a:endParaRPr lang="en-US"/>
-          </a:p>
-        </p:txBody>
-      </p:sp>
-      <p:sp>
-        <p:nvSpPr>
-          <p:cNvPr id="97" name="Freeform: Shape 96">
-            <a:extLst>
-              <a:ext uri="{FF2B5EF4-FFF2-40B4-BE49-F238E27FC236}">
-                <a16:creationId xmlns:a16="http://schemas.microsoft.com/office/drawing/2014/main" id="{79A54AB1-B64F-4843-BFAB-81CB74E66B65}"/>
-              </a:ext>
-              <a:ext uri="{C183D7F6-B498-43B3-948B-1728B52AA6E4}">
-                <adec:decorative xmlns:adec="http://schemas.microsoft.com/office/drawing/2017/decorative" val="1"/>
-              </a:ext>
-            </a:extLst>
-          </p:cNvPr>
-          <p:cNvSpPr>
-            <a:spLocks noGrp="1" noRot="1" noChangeAspect="1" noMove="1" noResize="1" noEditPoints="1" noAdjustHandles="1" noChangeArrowheads="1" noChangeShapeType="1" noTextEdit="1"/>
-          </p:cNvSpPr>
-          <p:nvPr>
-            <p:extLst>
-              <p:ext uri="{386F3935-93C4-4BCD-93E2-E3B085C9AB24}">
-                <p16:designElem xmlns:p16="http://schemas.microsoft.com/office/powerpoint/2015/main" val="1"/>
-              </p:ext>
-            </p:extLst>
-          </p:nvPr>
-        </p:nvSpPr>
-        <p:spPr>
-          <a:xfrm rot="20931529">
-            <a:off x="752078" y="2218040"/>
-            <a:ext cx="4418757" cy="4259609"/>
-          </a:xfrm>
-          <a:custGeom>
-            <a:avLst/>
-            <a:gdLst>
-              <a:gd name="connsiteX0" fmla="*/ 404107 w 4507111"/>
-              <a:gd name="connsiteY0" fmla="*/ 0 h 4344781"/>
-              <a:gd name="connsiteX1" fmla="*/ 371857 w 4507111"/>
-              <a:gd name="connsiteY1" fmla="*/ 117359 h 4344781"/>
-              <a:gd name="connsiteX2" fmla="*/ 307833 w 4507111"/>
-              <a:gd name="connsiteY2" fmla="*/ 632970 h 4344781"/>
-              <a:gd name="connsiteX3" fmla="*/ 3569418 w 4507111"/>
-              <a:gd name="connsiteY3" fmla="*/ 4141149 h 4344781"/>
-              <a:gd name="connsiteX4" fmla="*/ 4440861 w 4507111"/>
-              <a:gd name="connsiteY4" fmla="*/ 4332480 h 4344781"/>
-              <a:gd name="connsiteX5" fmla="*/ 4507111 w 4507111"/>
-              <a:gd name="connsiteY5" fmla="*/ 4341752 h 4344781"/>
-              <a:gd name="connsiteX6" fmla="*/ 4296045 w 4507111"/>
-              <a:gd name="connsiteY6" fmla="*/ 4344781 h 4344781"/>
-              <a:gd name="connsiteX7" fmla="*/ 3749565 w 4507111"/>
-              <a:gd name="connsiteY7" fmla="*/ 4321853 h 4344781"/>
-              <a:gd name="connsiteX8" fmla="*/ 36764 w 4507111"/>
-              <a:gd name="connsiteY8" fmla="*/ 1629794 h 4344781"/>
-              <a:gd name="connsiteX9" fmla="*/ 300069 w 4507111"/>
-              <a:gd name="connsiteY9" fmla="*/ 144750 h 4344781"/>
-            </a:gdLst>
-            <a:ahLst/>
-            <a:cxnLst>
-              <a:cxn ang="0">
-                <a:pos x="connsiteX0" y="connsiteY0"/>
-              </a:cxn>
-              <a:cxn ang="0">
-                <a:pos x="connsiteX1" y="connsiteY1"/>
-              </a:cxn>
-              <a:cxn ang="0">
-                <a:pos x="connsiteX2" y="connsiteY2"/>
-              </a:cxn>
-              <a:cxn ang="0">
-                <a:pos x="connsiteX3" y="connsiteY3"/>
-              </a:cxn>
-              <a:cxn ang="0">
-                <a:pos x="connsiteX4" y="connsiteY4"/>
-              </a:cxn>
-              <a:cxn ang="0">
-                <a:pos x="connsiteX5" y="connsiteY5"/>
-              </a:cxn>
-              <a:cxn ang="0">
-                <a:pos x="connsiteX6" y="connsiteY6"/>
-              </a:cxn>
-              <a:cxn ang="0">
-                <a:pos x="connsiteX7" y="connsiteY7"/>
-              </a:cxn>
-              <a:cxn ang="0">
-                <a:pos x="connsiteX8" y="connsiteY8"/>
-              </a:cxn>
-              <a:cxn ang="0">
-                <a:pos x="connsiteX9" y="connsiteY9"/>
-              </a:cxn>
-            </a:cxnLst>
-            <a:rect l="l" t="t" r="r" b="b"/>
-            <a:pathLst>
-              <a:path w="4507111" h="4344781">
-                <a:moveTo>
-                  <a:pt x="404107" y="0"/>
-                </a:moveTo>
-                <a:lnTo>
-                  <a:pt x="371857" y="117359"/>
-                </a:lnTo>
-                <a:cubicBezTo>
-                  <a:pt x="333827" y="278567"/>
-                  <a:pt x="311875" y="450459"/>
-                  <a:pt x="307833" y="632970"/>
-                </a:cubicBezTo>
-                <a:cubicBezTo>
-                  <a:pt x="264711" y="2579752"/>
-                  <a:pt x="2253987" y="3769243"/>
-                  <a:pt x="3569418" y="4141149"/>
-                </a:cubicBezTo>
-                <a:cubicBezTo>
-                  <a:pt x="3816061" y="4210881"/>
-                  <a:pt x="4114807" y="4279754"/>
-                  <a:pt x="4440861" y="4332480"/>
-                </a:cubicBezTo>
-                <a:lnTo>
-                  <a:pt x="4507111" y="4341752"/>
-                </a:lnTo>
-                <a:lnTo>
-                  <a:pt x="4296045" y="4344781"/>
-                </a:lnTo>
-                <a:cubicBezTo>
-                  <a:pt x="4097363" y="4343711"/>
-                  <a:pt x="3912623" y="4335104"/>
-                  <a:pt x="3749565" y="4321853"/>
-                </a:cubicBezTo>
-                <a:cubicBezTo>
-                  <a:pt x="2445102" y="4215850"/>
-                  <a:pt x="356405" y="3466499"/>
-                  <a:pt x="36764" y="1629794"/>
-                </a:cubicBezTo>
-                <a:cubicBezTo>
-                  <a:pt x="-63123" y="1055823"/>
-                  <a:pt x="45741" y="555869"/>
-                  <a:pt x="300069" y="144750"/>
-                </a:cubicBezTo>
-                <a:close/>
-              </a:path>
-            </a:pathLst>
-          </a:custGeom>
-          <a:solidFill>
-            <a:schemeClr val="tx1">
-              <a:alpha val="70000"/>
-            </a:schemeClr>
-          </a:solidFill>
-          <a:ln>
-            <a:noFill/>
-          </a:ln>
-        </p:spPr>
-        <p:style>
-          <a:lnRef idx="2">
-            <a:schemeClr val="accent1">
-              <a:shade val="50000"/>
-            </a:schemeClr>
-          </a:lnRef>
-          <a:fillRef idx="1">
-            <a:schemeClr val="accent1"/>
-          </a:fillRef>
-          <a:effectRef idx="0">
-            <a:schemeClr val="accent1"/>
-          </a:effectRef>
-          <a:fontRef idx="minor">
-            <a:schemeClr val="lt1"/>
-          </a:fontRef>
-        </p:style>
-        <p:txBody>
-          <a:bodyPr wrap="square" rtlCol="0" anchor="ctr">
-            <a:noAutofit/>
-          </a:bodyPr>
-          <a:lstStyle/>
-          <a:p>
-            <a:pPr marL="0" marR="0" lvl="0" indent="0" algn="ctr" defTabSz="457200" rtl="0" eaLnBrk="1" fontAlgn="auto" latinLnBrk="0" hangingPunct="1">
-              <a:lnSpc>
-                <a:spcPct val="100000"/>
-              </a:lnSpc>
-              <a:spcBef>
-                <a:spcPts val="0"/>
-              </a:spcBef>
-              <a:spcAft>
-                <a:spcPts val="0"/>
-              </a:spcAft>
-              <a:buClrTx/>
-              <a:buSzTx/>
-              <a:buFontTx/>
-              <a:buNone/>
-              <a:tabLst/>
-              <a:defRPr/>
-            </a:pPr>
-            <a:endParaRPr kumimoji="0" lang="en-US" sz="1800" b="0" i="0" u="none" strike="noStrike" kern="1200" cap="none" spc="0" normalizeH="0" baseline="0" noProof="0">
-              <a:ln>
-                <a:noFill/>
-              </a:ln>
-              <a:solidFill>
-                <a:prstClr val="white"/>
-              </a:solidFill>
-              <a:effectLst/>
-              <a:uLnTx/>
-              <a:uFillTx/>
-              <a:latin typeface="Rockwell" panose="02060603020205020403"/>
-              <a:ea typeface="+mn-ea"/>
-              <a:cs typeface="+mn-cs"/>
-            </a:endParaRPr>
-          </a:p>
-        </p:txBody>
-      </p:sp>
       <p:pic>
         <p:nvPicPr>
           <p:cNvPr id="4098" name="Picture 2" descr="Workers lined up for unemployment during the COVID-19 pandemic">
@@ -5036,8 +3490,8 @@
         </p:blipFill>
         <p:spPr bwMode="auto">
           <a:xfrm>
-            <a:off x="921910" y="465243"/>
-            <a:ext cx="7761924" cy="5343065"/>
+            <a:off x="686142" y="1237200"/>
+            <a:ext cx="6956607" cy="4788710"/>
           </a:xfrm>
           <a:custGeom>
             <a:avLst/>
@@ -5105,7 +3559,7 @@
         </p:nvSpPr>
         <p:spPr>
           <a:xfrm>
-            <a:off x="7899991" y="5234942"/>
+            <a:off x="7943831" y="4985385"/>
             <a:ext cx="4248169" cy="1040525"/>
           </a:xfrm>
           <a:prstGeom prst="rect">
@@ -5124,31 +3578,44 @@
               </a:spcAft>
             </a:pPr>
             <a:r>
-              <a:rPr lang="en-US" sz="8000" b="1">
+              <a:rPr lang="en-US" sz="9600" dirty="0" err="1">
                 <a:solidFill>
                   <a:schemeClr val="accent1">
                     <a:lumMod val="75000"/>
                   </a:schemeClr>
                 </a:solidFill>
               </a:rPr>
-              <a:t>Ironhack, Data Analytics, 18 Sept 2020</a:t>
-            </a:r>
-          </a:p>
-          <a:p>
-            <a:pPr>
-              <a:spcAft>
-                <a:spcPts val="600"/>
-              </a:spcAft>
-            </a:pPr>
-            <a:r>
-              <a:rPr lang="en-US" sz="8000">
+              <a:t>Akinbuwa</a:t>
+            </a:r>
+            <a:r>
+              <a:rPr lang="en-US" sz="9600" dirty="0">
                 <a:solidFill>
                   <a:schemeClr val="accent1">
                     <a:lumMod val="75000"/>
                   </a:schemeClr>
                 </a:solidFill>
               </a:rPr>
-              <a:t>Akinbuwa Oluwadare Sunday </a:t>
+              <a:t> </a:t>
+            </a:r>
+            <a:r>
+              <a:rPr lang="en-US" sz="9600" dirty="0" err="1">
+                <a:solidFill>
+                  <a:schemeClr val="accent1">
+                    <a:lumMod val="75000"/>
+                  </a:schemeClr>
+                </a:solidFill>
+              </a:rPr>
+              <a:t>Oluwadare</a:t>
+            </a:r>
+            <a:r>
+              <a:rPr lang="en-US" sz="9600" dirty="0">
+                <a:solidFill>
+                  <a:schemeClr val="accent1">
+                    <a:lumMod val="75000"/>
+                  </a:schemeClr>
+                </a:solidFill>
+              </a:rPr>
+              <a:t> Sunday </a:t>
             </a:r>
           </a:p>
           <a:p>
@@ -5158,7 +3625,7 @@
               </a:spcAft>
             </a:pPr>
             <a:r>
-              <a:rPr lang="en-US" sz="8000">
+              <a:rPr lang="en-US" sz="9600" dirty="0">
                 <a:solidFill>
                   <a:schemeClr val="accent1">
                     <a:lumMod val="75000"/>
@@ -5175,31 +3642,88 @@
               </a:spcAft>
             </a:pPr>
             <a:r>
-              <a:rPr lang="en-US" sz="8000">
+              <a:rPr lang="en-US" sz="9600" dirty="0" err="1">
                 <a:solidFill>
                   <a:schemeClr val="accent1">
                     <a:lumMod val="75000"/>
                   </a:schemeClr>
                 </a:solidFill>
               </a:rPr>
-              <a:t>Malon Kraaijvanger</a:t>
-            </a:r>
-          </a:p>
-          <a:p>
-            <a:pPr>
-              <a:spcAft>
-                <a:spcPts val="600"/>
-              </a:spcAft>
-            </a:pPr>
-            <a:r>
-              <a:rPr lang="en-US" sz="8000">
+              <a:t>Malon</a:t>
+            </a:r>
+            <a:r>
+              <a:rPr lang="en-US" sz="9600" dirty="0">
                 <a:solidFill>
                   <a:schemeClr val="accent1">
                     <a:lumMod val="75000"/>
                   </a:schemeClr>
                 </a:solidFill>
               </a:rPr>
-              <a:t>Rinze Douma </a:t>
+              <a:t> </a:t>
+            </a:r>
+            <a:r>
+              <a:rPr lang="en-US" sz="9600" dirty="0" err="1">
+                <a:solidFill>
+                  <a:schemeClr val="accent1">
+                    <a:lumMod val="75000"/>
+                  </a:schemeClr>
+                </a:solidFill>
+              </a:rPr>
+              <a:t>Kraaijvanger</a:t>
+            </a:r>
+            <a:endParaRPr lang="en-US" sz="9600" dirty="0">
+              <a:solidFill>
+                <a:schemeClr val="accent1">
+                  <a:lumMod val="75000"/>
+                </a:schemeClr>
+              </a:solidFill>
+            </a:endParaRPr>
+          </a:p>
+          <a:p>
+            <a:pPr>
+              <a:spcAft>
+                <a:spcPts val="600"/>
+              </a:spcAft>
+            </a:pPr>
+            <a:r>
+              <a:rPr lang="en-US" sz="9600" dirty="0" err="1">
+                <a:solidFill>
+                  <a:schemeClr val="accent1">
+                    <a:lumMod val="75000"/>
+                  </a:schemeClr>
+                </a:solidFill>
+              </a:rPr>
+              <a:t>Rinze</a:t>
+            </a:r>
+            <a:r>
+              <a:rPr lang="en-US" sz="9600" dirty="0">
+                <a:solidFill>
+                  <a:schemeClr val="accent1">
+                    <a:lumMod val="75000"/>
+                  </a:schemeClr>
+                </a:solidFill>
+              </a:rPr>
+              <a:t> </a:t>
+            </a:r>
+            <a:r>
+              <a:rPr lang="en-US" sz="9600" dirty="0" err="1">
+                <a:solidFill>
+                  <a:schemeClr val="accent1">
+                    <a:lumMod val="75000"/>
+                  </a:schemeClr>
+                </a:solidFill>
+              </a:rPr>
+              <a:t>Douma</a:t>
+            </a:r>
+            <a:r>
+              <a:rPr lang="en-US" sz="9600" dirty="0">
+                <a:solidFill>
+                  <a:schemeClr val="accent1">
+                    <a:lumMod val="75000"/>
+                  </a:schemeClr>
+                </a:solidFill>
+              </a:rPr>
+              <a:t> </a:t>
             </a:r>
           </a:p>
           <a:p>
@@ -5226,6 +3750,83 @@
           </a:p>
         </p:txBody>
       </p:sp>
+      <p:sp>
+        <p:nvSpPr>
+          <p:cNvPr id="3" name="Rectangle 2">
+            <a:extLst>
+              <a:ext uri="{FF2B5EF4-FFF2-40B4-BE49-F238E27FC236}">
+                <a16:creationId xmlns:a16="http://schemas.microsoft.com/office/drawing/2014/main" id="{83744EC3-DD7A-447D-BFCD-8A1DF008C9FA}"/>
+              </a:ext>
+            </a:extLst>
+          </p:cNvPr>
+          <p:cNvSpPr/>
+          <p:nvPr/>
+        </p:nvSpPr>
+        <p:spPr>
+          <a:xfrm>
+            <a:off x="83057" y="449198"/>
+            <a:ext cx="8600777" cy="382892"/>
+          </a:xfrm>
+          <a:prstGeom prst="rect">
+            <a:avLst/>
+          </a:prstGeom>
+        </p:spPr>
+        <p:txBody>
+          <a:bodyPr vert="horz" lIns="91440" tIns="45720" rIns="91440" bIns="45720" rtlCol="0" anchor="t">
+            <a:normAutofit fontScale="25000" lnSpcReduction="20000"/>
+          </a:bodyPr>
+          <a:lstStyle/>
+          <a:p>
+            <a:pPr>
+              <a:spcAft>
+                <a:spcPts val="600"/>
+              </a:spcAft>
+            </a:pPr>
+            <a:r>
+              <a:rPr lang="en-US" sz="11200" b="1" dirty="0" err="1">
+                <a:solidFill>
+                  <a:schemeClr val="accent1">
+                    <a:lumMod val="75000"/>
+                  </a:schemeClr>
+                </a:solidFill>
+              </a:rPr>
+              <a:t>Ironhack</a:t>
+            </a:r>
+            <a:r>
+              <a:rPr lang="en-US" sz="11200" b="1" dirty="0">
+                <a:solidFill>
+                  <a:schemeClr val="accent1">
+                    <a:lumMod val="75000"/>
+                  </a:schemeClr>
+                </a:solidFill>
+              </a:rPr>
+              <a:t>, Data Analytics, 18 Sept 2020</a:t>
+            </a:r>
+          </a:p>
+          <a:p>
+            <a:pPr indent="-228600">
+              <a:lnSpc>
+                <a:spcPct val="90000"/>
+              </a:lnSpc>
+              <a:spcAft>
+                <a:spcPts val="600"/>
+              </a:spcAft>
+              <a:buFont typeface="Arial" panose="020B0604020202020204" pitchFamily="34" charset="0"/>
+              <a:buChar char="•"/>
+            </a:pPr>
+            <a:endParaRPr lang="en-US" sz="1700" b="0" cap="none" spc="0" dirty="0">
+              <a:ln w="0"/>
+              <a:effectLst>
+                <a:outerShdw blurRad="38100" dist="19050" dir="2700000" algn="tl" rotWithShape="0">
+                  <a:schemeClr val="dk1">
+                    <a:alpha val="40000"/>
+                  </a:schemeClr>
+                </a:outerShdw>
+              </a:effectLst>
+            </a:endParaRPr>
+          </a:p>
+        </p:txBody>
+      </p:sp>
     </p:spTree>
     <p:extLst>
       <p:ext uri="{BB962C8B-B14F-4D97-AF65-F5344CB8AC3E}">
@@ -5240,930 +3841,6 @@
 </file>
 
 <file path=ppt/slides/slide2.xml><?xml version="1.0" encoding="utf-8"?>
-<p:sld xmlns:a="http://schemas.openxmlformats.org/drawingml/2006/main" xmlns:r="http://schemas.openxmlformats.org/officeDocument/2006/relationships" xmlns:p="http://schemas.openxmlformats.org/presentationml/2006/main">
-  <p:cSld>
-    <p:bg>
-      <p:bgPr>
-        <a:solidFill>
-          <a:schemeClr val="bg1"/>
-        </a:solidFill>
-        <a:effectLst/>
-      </p:bgPr>
-    </p:bg>
-    <p:spTree>
-      <p:nvGrpSpPr>
-        <p:cNvPr id="1" name=""/>
-        <p:cNvGrpSpPr/>
-        <p:nvPr/>
-      </p:nvGrpSpPr>
-      <p:grpSpPr>
-        <a:xfrm>
-          <a:off x="0" y="0"/>
-          <a:ext cx="0" cy="0"/>
-          <a:chOff x="0" y="0"/>
-          <a:chExt cx="0" cy="0"/>
-        </a:xfrm>
-      </p:grpSpPr>
-      <p:sp>
-        <p:nvSpPr>
-          <p:cNvPr id="141" name="Rectangle 140">
-            <a:extLst>
-              <a:ext uri="{FF2B5EF4-FFF2-40B4-BE49-F238E27FC236}">
-                <a16:creationId xmlns:a16="http://schemas.microsoft.com/office/drawing/2014/main" id="{7D8E67F2-F753-4E06-8229-4970A6725835}"/>
-              </a:ext>
-              <a:ext uri="{C183D7F6-B498-43B3-948B-1728B52AA6E4}">
-                <adec:decorative xmlns:adec="http://schemas.microsoft.com/office/drawing/2017/decorative" val="1"/>
-              </a:ext>
-            </a:extLst>
-          </p:cNvPr>
-          <p:cNvSpPr>
-            <a:spLocks noGrp="1" noRot="1" noChangeAspect="1" noMove="1" noResize="1" noEditPoints="1" noAdjustHandles="1" noChangeArrowheads="1" noChangeShapeType="1" noTextEdit="1"/>
-          </p:cNvSpPr>
-          <p:nvPr>
-            <p:extLst>
-              <p:ext uri="{386F3935-93C4-4BCD-93E2-E3B085C9AB24}">
-                <p16:designElem xmlns:p16="http://schemas.microsoft.com/office/powerpoint/2015/main" val="1"/>
-              </p:ext>
-            </p:extLst>
-          </p:nvPr>
-        </p:nvSpPr>
-        <p:spPr>
-          <a:xfrm>
-            <a:off x="0" y="0"/>
-            <a:ext cx="6483095" cy="6854272"/>
-          </a:xfrm>
-          <a:prstGeom prst="rect">
-            <a:avLst/>
-          </a:prstGeom>
-          <a:gradFill>
-            <a:gsLst>
-              <a:gs pos="0">
-                <a:schemeClr val="accent1">
-                  <a:lumMod val="100000"/>
-                  <a:alpha val="82000"/>
-                </a:schemeClr>
-              </a:gs>
-              <a:gs pos="25000">
-                <a:schemeClr val="accent1">
-                  <a:alpha val="60000"/>
-                </a:schemeClr>
-              </a:gs>
-              <a:gs pos="94000">
-                <a:schemeClr val="bg2">
-                  <a:lumMod val="75000"/>
-                </a:schemeClr>
-              </a:gs>
-              <a:gs pos="100000">
-                <a:schemeClr val="bg2">
-                  <a:lumMod val="75000"/>
-                </a:schemeClr>
-              </a:gs>
-            </a:gsLst>
-            <a:lin ang="4200000" scaled="0"/>
-          </a:gradFill>
-          <a:ln>
-            <a:noFill/>
-          </a:ln>
-        </p:spPr>
-        <p:style>
-          <a:lnRef idx="2">
-            <a:schemeClr val="accent1">
-              <a:shade val="50000"/>
-            </a:schemeClr>
-          </a:lnRef>
-          <a:fillRef idx="1">
-            <a:schemeClr val="accent1"/>
-          </a:fillRef>
-          <a:effectRef idx="0">
-            <a:schemeClr val="accent1"/>
-          </a:effectRef>
-          <a:fontRef idx="minor">
-            <a:schemeClr val="lt1"/>
-          </a:fontRef>
-        </p:style>
-        <p:txBody>
-          <a:bodyPr rtlCol="0" anchor="ctr"/>
-          <a:lstStyle/>
-          <a:p>
-            <a:pPr algn="ctr"/>
-            <a:endParaRPr lang="en-US"/>
-          </a:p>
-        </p:txBody>
-      </p:sp>
-      <p:pic>
-        <p:nvPicPr>
-          <p:cNvPr id="143" name="Picture 142">
-            <a:extLst>
-              <a:ext uri="{FF2B5EF4-FFF2-40B4-BE49-F238E27FC236}">
-                <a16:creationId xmlns:a16="http://schemas.microsoft.com/office/drawing/2014/main" id="{2EE1BDFD-564B-44A4-841A-50D6A8E75CB4}"/>
-              </a:ext>
-              <a:ext uri="{C183D7F6-B498-43B3-948B-1728B52AA6E4}">
-                <adec:decorative xmlns:adec="http://schemas.microsoft.com/office/drawing/2017/decorative" val="1"/>
-              </a:ext>
-            </a:extLst>
-          </p:cNvPr>
-          <p:cNvPicPr>
-            <a:picLocks noGrp="1" noRot="1" noChangeAspect="1" noMove="1" noResize="1" noEditPoints="1" noAdjustHandles="1" noChangeArrowheads="1" noChangeShapeType="1" noCrop="1"/>
-          </p:cNvPicPr>
-          <p:nvPr>
-            <p:extLst>
-              <p:ext uri="{386F3935-93C4-4BCD-93E2-E3B085C9AB24}">
-                <p16:designElem xmlns:p16="http://schemas.microsoft.com/office/powerpoint/2015/main" val="1"/>
-              </p:ext>
-            </p:extLst>
-          </p:nvPr>
-        </p:nvPicPr>
-        <p:blipFill>
-          <a:blip r:embed="rId2">
-            <a:extLst>
-              <a:ext uri="{28A0092B-C50C-407E-A947-70E740481C1C}">
-                <a14:useLocalDpi xmlns:a14="http://schemas.microsoft.com/office/drawing/2010/main" val="0"/>
-              </a:ext>
-            </a:extLst>
-          </a:blip>
-          <a:stretch>
-            <a:fillRect/>
-          </a:stretch>
-        </p:blipFill>
-        <p:spPr>
-          <a:xfrm>
-            <a:off x="0" y="0"/>
-            <a:ext cx="12192000" cy="6858000"/>
-          </a:xfrm>
-          <a:prstGeom prst="rect">
-            <a:avLst/>
-          </a:prstGeom>
-        </p:spPr>
-      </p:pic>
-      <p:sp>
-        <p:nvSpPr>
-          <p:cNvPr id="2" name="Rectangle 1">
-            <a:extLst>
-              <a:ext uri="{FF2B5EF4-FFF2-40B4-BE49-F238E27FC236}">
-                <a16:creationId xmlns:a16="http://schemas.microsoft.com/office/drawing/2014/main" id="{0A1073D8-5DF6-47BD-B30C-911ADB434696}"/>
-              </a:ext>
-            </a:extLst>
-          </p:cNvPr>
-          <p:cNvSpPr/>
-          <p:nvPr/>
-        </p:nvSpPr>
-        <p:spPr>
-          <a:xfrm>
-            <a:off x="6094105" y="802955"/>
-            <a:ext cx="4977976" cy="1454051"/>
-          </a:xfrm>
-          <a:prstGeom prst="rect">
-            <a:avLst/>
-          </a:prstGeom>
-        </p:spPr>
-        <p:txBody>
-          <a:bodyPr vert="horz" lIns="91440" tIns="45720" rIns="91440" bIns="45720" rtlCol="0" anchor="ctr">
-            <a:normAutofit/>
-          </a:bodyPr>
-          <a:lstStyle/>
-          <a:p>
-            <a:pPr>
-              <a:lnSpc>
-                <a:spcPct val="90000"/>
-              </a:lnSpc>
-              <a:spcBef>
-                <a:spcPct val="0"/>
-              </a:spcBef>
-            </a:pPr>
-            <a:r>
-              <a:rPr lang="en-US" sz="3600" dirty="0">
-                <a:ln w="0"/>
-                <a:solidFill>
-                  <a:schemeClr val="accent1">
-                    <a:lumMod val="75000"/>
-                  </a:schemeClr>
-                </a:solidFill>
-                <a:effectLst>
-                  <a:outerShdw blurRad="38100" dist="19050" dir="2700000" algn="tl" rotWithShape="0">
-                    <a:schemeClr val="dk1">
-                      <a:alpha val="40000"/>
-                    </a:schemeClr>
-                  </a:outerShdw>
-                </a:effectLst>
-              </a:rPr>
-              <a:t>UNEMPLOYMENT RATE VS. EMPLOYMENT RATE</a:t>
-            </a:r>
-          </a:p>
-          <a:p>
-            <a:pPr>
-              <a:lnSpc>
-                <a:spcPct val="90000"/>
-              </a:lnSpc>
-              <a:spcBef>
-                <a:spcPct val="0"/>
-              </a:spcBef>
-              <a:spcAft>
-                <a:spcPts val="600"/>
-              </a:spcAft>
-            </a:pPr>
-            <a:endParaRPr lang="en-US" sz="3700" b="0" cap="none" spc="0" dirty="0">
-              <a:ln w="0"/>
-              <a:solidFill>
-                <a:srgbClr val="000000"/>
-              </a:solidFill>
-              <a:effectLst>
-                <a:outerShdw blurRad="38100" dist="19050" dir="2700000" algn="tl" rotWithShape="0">
-                  <a:schemeClr val="dk1">
-                    <a:alpha val="40000"/>
-                  </a:schemeClr>
-                </a:outerShdw>
-              </a:effectLst>
-              <a:latin typeface="+mj-lt"/>
-              <a:ea typeface="+mj-ea"/>
-              <a:cs typeface="+mj-cs"/>
-            </a:endParaRPr>
-          </a:p>
-        </p:txBody>
-      </p:sp>
-      <p:sp>
-        <p:nvSpPr>
-          <p:cNvPr id="145" name="Freeform 60">
-            <a:extLst>
-              <a:ext uri="{FF2B5EF4-FFF2-40B4-BE49-F238E27FC236}">
-                <a16:creationId xmlns:a16="http://schemas.microsoft.com/office/drawing/2014/main" id="{007B8288-68CC-4847-8419-CF535B6B7EEA}"/>
-              </a:ext>
-              <a:ext uri="{C183D7F6-B498-43B3-948B-1728B52AA6E4}">
-                <adec:decorative xmlns:adec="http://schemas.microsoft.com/office/drawing/2017/decorative" val="1"/>
-              </a:ext>
-            </a:extLst>
-          </p:cNvPr>
-          <p:cNvSpPr>
-            <a:spLocks noGrp="1" noRot="1" noChangeAspect="1" noMove="1" noResize="1" noEditPoints="1" noAdjustHandles="1" noChangeArrowheads="1" noChangeShapeType="1" noTextEdit="1"/>
-          </p:cNvSpPr>
-          <p:nvPr>
-            <p:extLst>
-              <p:ext uri="{386F3935-93C4-4BCD-93E2-E3B085C9AB24}">
-                <p16:designElem xmlns:p16="http://schemas.microsoft.com/office/powerpoint/2015/main" val="1"/>
-              </p:ext>
-            </p:extLst>
-          </p:nvPr>
-        </p:nvSpPr>
-        <p:spPr>
-          <a:xfrm>
-            <a:off x="1763882" y="0"/>
-            <a:ext cx="3880988" cy="2206512"/>
-          </a:xfrm>
-          <a:custGeom>
-            <a:avLst/>
-            <a:gdLst>
-              <a:gd name="connsiteX0" fmla="*/ 20753 w 3960193"/>
-              <a:gd name="connsiteY0" fmla="*/ 0 h 2251543"/>
-              <a:gd name="connsiteX1" fmla="*/ 3939440 w 3960193"/>
-              <a:gd name="connsiteY1" fmla="*/ 0 h 2251543"/>
-              <a:gd name="connsiteX2" fmla="*/ 3949969 w 3960193"/>
-              <a:gd name="connsiteY2" fmla="*/ 68994 h 2251543"/>
-              <a:gd name="connsiteX3" fmla="*/ 3960193 w 3960193"/>
-              <a:gd name="connsiteY3" fmla="*/ 271447 h 2251543"/>
-              <a:gd name="connsiteX4" fmla="*/ 1980096 w 3960193"/>
-              <a:gd name="connsiteY4" fmla="*/ 2251543 h 2251543"/>
-              <a:gd name="connsiteX5" fmla="*/ 0 w 3960193"/>
-              <a:gd name="connsiteY5" fmla="*/ 271447 h 2251543"/>
-              <a:gd name="connsiteX6" fmla="*/ 10224 w 3960193"/>
-              <a:gd name="connsiteY6" fmla="*/ 68994 h 2251543"/>
-            </a:gdLst>
-            <a:ahLst/>
-            <a:cxnLst>
-              <a:cxn ang="0">
-                <a:pos x="connsiteX0" y="connsiteY0"/>
-              </a:cxn>
-              <a:cxn ang="0">
-                <a:pos x="connsiteX1" y="connsiteY1"/>
-              </a:cxn>
-              <a:cxn ang="0">
-                <a:pos x="connsiteX2" y="connsiteY2"/>
-              </a:cxn>
-              <a:cxn ang="0">
-                <a:pos x="connsiteX3" y="connsiteY3"/>
-              </a:cxn>
-              <a:cxn ang="0">
-                <a:pos x="connsiteX4" y="connsiteY4"/>
-              </a:cxn>
-              <a:cxn ang="0">
-                <a:pos x="connsiteX5" y="connsiteY5"/>
-              </a:cxn>
-              <a:cxn ang="0">
-                <a:pos x="connsiteX6" y="connsiteY6"/>
-              </a:cxn>
-            </a:cxnLst>
-            <a:rect l="l" t="t" r="r" b="b"/>
-            <a:pathLst>
-              <a:path w="3960193" h="2251543">
-                <a:moveTo>
-                  <a:pt x="20753" y="0"/>
-                </a:moveTo>
-                <a:lnTo>
-                  <a:pt x="3939440" y="0"/>
-                </a:lnTo>
-                <a:lnTo>
-                  <a:pt x="3949969" y="68994"/>
-                </a:lnTo>
-                <a:cubicBezTo>
-                  <a:pt x="3956730" y="135559"/>
-                  <a:pt x="3960193" y="203099"/>
-                  <a:pt x="3960193" y="271447"/>
-                </a:cubicBezTo>
-                <a:cubicBezTo>
-                  <a:pt x="3960193" y="1365024"/>
-                  <a:pt x="3073674" y="2251543"/>
-                  <a:pt x="1980096" y="2251543"/>
-                </a:cubicBezTo>
-                <a:cubicBezTo>
-                  <a:pt x="886519" y="2251543"/>
-                  <a:pt x="0" y="1365024"/>
-                  <a:pt x="0" y="271447"/>
-                </a:cubicBezTo>
-                <a:cubicBezTo>
-                  <a:pt x="0" y="203099"/>
-                  <a:pt x="3463" y="135559"/>
-                  <a:pt x="10224" y="68994"/>
-                </a:cubicBezTo>
-                <a:close/>
-              </a:path>
-            </a:pathLst>
-          </a:custGeom>
-          <a:solidFill>
-            <a:srgbClr val="FFFFFF"/>
-          </a:solidFill>
-          <a:ln>
-            <a:gradFill>
-              <a:gsLst>
-                <a:gs pos="0">
-                  <a:schemeClr val="accent1">
-                    <a:lumMod val="40000"/>
-                    <a:lumOff val="60000"/>
-                  </a:schemeClr>
-                </a:gs>
-                <a:gs pos="23000">
-                  <a:schemeClr val="accent1">
-                    <a:lumMod val="45000"/>
-                    <a:lumOff val="55000"/>
-                  </a:schemeClr>
-                </a:gs>
-                <a:gs pos="83000">
-                  <a:schemeClr val="bg2">
-                    <a:lumMod val="75000"/>
-                  </a:schemeClr>
-                </a:gs>
-                <a:gs pos="100000">
-                  <a:schemeClr val="bg2">
-                    <a:lumMod val="75000"/>
-                  </a:schemeClr>
-                </a:gs>
-              </a:gsLst>
-              <a:lin ang="5400000" scaled="1"/>
-            </a:gradFill>
-          </a:ln>
-        </p:spPr>
-        <p:style>
-          <a:lnRef idx="2">
-            <a:schemeClr val="accent1">
-              <a:shade val="50000"/>
-            </a:schemeClr>
-          </a:lnRef>
-          <a:fillRef idx="1">
-            <a:schemeClr val="accent1"/>
-          </a:fillRef>
-          <a:effectRef idx="0">
-            <a:schemeClr val="accent1"/>
-          </a:effectRef>
-          <a:fontRef idx="minor">
-            <a:schemeClr val="lt1"/>
-          </a:fontRef>
-        </p:style>
-        <p:txBody>
-          <a:bodyPr wrap="square" rtlCol="0" anchor="ctr">
-            <a:noAutofit/>
-          </a:bodyPr>
-          <a:lstStyle/>
-          <a:p>
-            <a:pPr algn="ctr"/>
-            <a:endParaRPr lang="en-US"/>
-          </a:p>
-        </p:txBody>
-      </p:sp>
-      <p:pic>
-        <p:nvPicPr>
-          <p:cNvPr id="3080" name="Picture 8">
-            <a:extLst>
-              <a:ext uri="{FF2B5EF4-FFF2-40B4-BE49-F238E27FC236}">
-                <a16:creationId xmlns:a16="http://schemas.microsoft.com/office/drawing/2014/main" id="{E5709B53-7650-4AD2-97F4-484F44484673}"/>
-              </a:ext>
-            </a:extLst>
-          </p:cNvPr>
-          <p:cNvPicPr>
-            <a:picLocks noChangeAspect="1" noChangeArrowheads="1"/>
-          </p:cNvPicPr>
-          <p:nvPr/>
-        </p:nvPicPr>
-        <p:blipFill>
-          <a:blip r:embed="rId3">
-            <a:extLst>
-              <a:ext uri="{28A0092B-C50C-407E-A947-70E740481C1C}">
-                <a14:useLocalDpi xmlns:a14="http://schemas.microsoft.com/office/drawing/2010/main" val="0"/>
-              </a:ext>
-            </a:extLst>
-          </a:blip>
-          <a:stretch>
-            <a:fillRect/>
-          </a:stretch>
-        </p:blipFill>
-        <p:spPr bwMode="auto">
-          <a:xfrm>
-            <a:off x="2264948" y="581111"/>
-            <a:ext cx="2532690" cy="645836"/>
-          </a:xfrm>
-          <a:prstGeom prst="rect">
-            <a:avLst/>
-          </a:prstGeom>
-          <a:noFill/>
-          <a:extLst>
-            <a:ext uri="{909E8E84-426E-40DD-AFC4-6F175D3DCCD1}">
-              <a14:hiddenFill xmlns:a14="http://schemas.microsoft.com/office/drawing/2010/main">
-                <a:solidFill>
-                  <a:srgbClr val="FFFFFF"/>
-                </a:solidFill>
-              </a14:hiddenFill>
-            </a:ext>
-          </a:extLst>
-        </p:spPr>
-      </p:pic>
-      <p:sp>
-        <p:nvSpPr>
-          <p:cNvPr id="147" name="Freeform 68">
-            <a:extLst>
-              <a:ext uri="{FF2B5EF4-FFF2-40B4-BE49-F238E27FC236}">
-                <a16:creationId xmlns:a16="http://schemas.microsoft.com/office/drawing/2014/main" id="{32BA8EA8-C1B6-4309-B674-F9F399B96288}"/>
-              </a:ext>
-              <a:ext uri="{C183D7F6-B498-43B3-948B-1728B52AA6E4}">
-                <adec:decorative xmlns:adec="http://schemas.microsoft.com/office/drawing/2017/decorative" val="1"/>
-              </a:ext>
-            </a:extLst>
-          </p:cNvPr>
-          <p:cNvSpPr>
-            <a:spLocks noGrp="1" noRot="1" noChangeAspect="1" noMove="1" noResize="1" noEditPoints="1" noAdjustHandles="1" noChangeArrowheads="1" noChangeShapeType="1" noTextEdit="1"/>
-          </p:cNvSpPr>
-          <p:nvPr>
-            <p:extLst>
-              <p:ext uri="{386F3935-93C4-4BCD-93E2-E3B085C9AB24}">
-                <p16:designElem xmlns:p16="http://schemas.microsoft.com/office/powerpoint/2015/main" val="1"/>
-              </p:ext>
-            </p:extLst>
-          </p:nvPr>
-        </p:nvSpPr>
-        <p:spPr>
-          <a:xfrm>
-            <a:off x="0" y="2912701"/>
-            <a:ext cx="4942589" cy="3945299"/>
-          </a:xfrm>
-          <a:custGeom>
-            <a:avLst/>
-            <a:gdLst>
-              <a:gd name="connsiteX0" fmla="*/ 2223943 w 4942589"/>
-              <a:gd name="connsiteY0" fmla="*/ 0 h 3945299"/>
-              <a:gd name="connsiteX1" fmla="*/ 4942589 w 4942589"/>
-              <a:gd name="connsiteY1" fmla="*/ 2718646 h 3945299"/>
-              <a:gd name="connsiteX2" fmla="*/ 4728945 w 4942589"/>
-              <a:gd name="connsiteY2" fmla="*/ 3776866 h 3945299"/>
-              <a:gd name="connsiteX3" fmla="*/ 4647806 w 4942589"/>
-              <a:gd name="connsiteY3" fmla="*/ 3945299 h 3945299"/>
-              <a:gd name="connsiteX4" fmla="*/ 0 w 4942589"/>
-              <a:gd name="connsiteY4" fmla="*/ 3945299 h 3945299"/>
-              <a:gd name="connsiteX5" fmla="*/ 0 w 4942589"/>
-              <a:gd name="connsiteY5" fmla="*/ 1157971 h 3945299"/>
-              <a:gd name="connsiteX6" fmla="*/ 126104 w 4942589"/>
-              <a:gd name="connsiteY6" fmla="*/ 989335 h 3945299"/>
-              <a:gd name="connsiteX7" fmla="*/ 2223943 w 4942589"/>
-              <a:gd name="connsiteY7" fmla="*/ 0 h 3945299"/>
-            </a:gdLst>
-            <a:ahLst/>
-            <a:cxnLst>
-              <a:cxn ang="0">
-                <a:pos x="connsiteX0" y="connsiteY0"/>
-              </a:cxn>
-              <a:cxn ang="0">
-                <a:pos x="connsiteX1" y="connsiteY1"/>
-              </a:cxn>
-              <a:cxn ang="0">
-                <a:pos x="connsiteX2" y="connsiteY2"/>
-              </a:cxn>
-              <a:cxn ang="0">
-                <a:pos x="connsiteX3" y="connsiteY3"/>
-              </a:cxn>
-              <a:cxn ang="0">
-                <a:pos x="connsiteX4" y="connsiteY4"/>
-              </a:cxn>
-              <a:cxn ang="0">
-                <a:pos x="connsiteX5" y="connsiteY5"/>
-              </a:cxn>
-              <a:cxn ang="0">
-                <a:pos x="connsiteX6" y="connsiteY6"/>
-              </a:cxn>
-              <a:cxn ang="0">
-                <a:pos x="connsiteX7" y="connsiteY7"/>
-              </a:cxn>
-            </a:cxnLst>
-            <a:rect l="l" t="t" r="r" b="b"/>
-            <a:pathLst>
-              <a:path w="4942589" h="3945299">
-                <a:moveTo>
-                  <a:pt x="2223943" y="0"/>
-                </a:moveTo>
-                <a:cubicBezTo>
-                  <a:pt x="3725410" y="0"/>
-                  <a:pt x="4942589" y="1217179"/>
-                  <a:pt x="4942589" y="2718646"/>
-                </a:cubicBezTo>
-                <a:cubicBezTo>
-                  <a:pt x="4942589" y="3094013"/>
-                  <a:pt x="4866516" y="3451612"/>
-                  <a:pt x="4728945" y="3776866"/>
-                </a:cubicBezTo>
-                <a:lnTo>
-                  <a:pt x="4647806" y="3945299"/>
-                </a:lnTo>
-                <a:lnTo>
-                  <a:pt x="0" y="3945299"/>
-                </a:lnTo>
-                <a:lnTo>
-                  <a:pt x="0" y="1157971"/>
-                </a:lnTo>
-                <a:lnTo>
-                  <a:pt x="126104" y="989335"/>
-                </a:lnTo>
-                <a:cubicBezTo>
-                  <a:pt x="624744" y="385123"/>
-                  <a:pt x="1379368" y="0"/>
-                  <a:pt x="2223943" y="0"/>
-                </a:cubicBezTo>
-                <a:close/>
-              </a:path>
-            </a:pathLst>
-          </a:custGeom>
-          <a:solidFill>
-            <a:srgbClr val="FFFFFF"/>
-          </a:solidFill>
-          <a:ln>
-            <a:gradFill>
-              <a:gsLst>
-                <a:gs pos="0">
-                  <a:schemeClr val="accent1">
-                    <a:lumMod val="40000"/>
-                    <a:lumOff val="60000"/>
-                  </a:schemeClr>
-                </a:gs>
-                <a:gs pos="23000">
-                  <a:schemeClr val="accent1">
-                    <a:lumMod val="45000"/>
-                    <a:lumOff val="55000"/>
-                  </a:schemeClr>
-                </a:gs>
-                <a:gs pos="83000">
-                  <a:schemeClr val="bg2">
-                    <a:lumMod val="75000"/>
-                  </a:schemeClr>
-                </a:gs>
-                <a:gs pos="100000">
-                  <a:schemeClr val="bg2">
-                    <a:lumMod val="75000"/>
-                  </a:schemeClr>
-                </a:gs>
-              </a:gsLst>
-              <a:lin ang="5400000" scaled="1"/>
-            </a:gradFill>
-          </a:ln>
-        </p:spPr>
-        <p:style>
-          <a:lnRef idx="2">
-            <a:schemeClr val="accent1">
-              <a:shade val="50000"/>
-            </a:schemeClr>
-          </a:lnRef>
-          <a:fillRef idx="1">
-            <a:schemeClr val="accent1"/>
-          </a:fillRef>
-          <a:effectRef idx="0">
-            <a:schemeClr val="accent1"/>
-          </a:effectRef>
-          <a:fontRef idx="minor">
-            <a:schemeClr val="lt1"/>
-          </a:fontRef>
-        </p:style>
-        <p:txBody>
-          <a:bodyPr wrap="square" rtlCol="0" anchor="ctr">
-            <a:noAutofit/>
-          </a:bodyPr>
-          <a:lstStyle/>
-          <a:p>
-            <a:pPr algn="ctr"/>
-            <a:endParaRPr lang="en-US"/>
-          </a:p>
-        </p:txBody>
-      </p:sp>
-      <p:pic>
-        <p:nvPicPr>
-          <p:cNvPr id="3076" name="Picture 4" descr="Eurostat – Wikipedia">
-            <a:extLst>
-              <a:ext uri="{FF2B5EF4-FFF2-40B4-BE49-F238E27FC236}">
-                <a16:creationId xmlns:a16="http://schemas.microsoft.com/office/drawing/2014/main" id="{97B640C1-660B-4CB1-8CBA-4779EAD674CC}"/>
-              </a:ext>
-            </a:extLst>
-          </p:cNvPr>
-          <p:cNvPicPr>
-            <a:picLocks noChangeAspect="1" noChangeArrowheads="1"/>
-          </p:cNvPicPr>
-          <p:nvPr/>
-        </p:nvPicPr>
-        <p:blipFill>
-          <a:blip r:embed="rId4">
-            <a:extLst>
-              <a:ext uri="{28A0092B-C50C-407E-A947-70E740481C1C}">
-                <a14:useLocalDpi xmlns:a14="http://schemas.microsoft.com/office/drawing/2010/main" val="0"/>
-              </a:ext>
-            </a:extLst>
-          </a:blip>
-          <a:stretch>
-            <a:fillRect/>
-          </a:stretch>
-        </p:blipFill>
-        <p:spPr bwMode="auto">
-          <a:xfrm>
-            <a:off x="321732" y="4590276"/>
-            <a:ext cx="3759105" cy="1240505"/>
-          </a:xfrm>
-          <a:prstGeom prst="rect">
-            <a:avLst/>
-          </a:prstGeom>
-          <a:noFill/>
-          <a:extLst>
-            <a:ext uri="{909E8E84-426E-40DD-AFC4-6F175D3DCCD1}">
-              <a14:hiddenFill xmlns:a14="http://schemas.microsoft.com/office/drawing/2010/main">
-                <a:solidFill>
-                  <a:srgbClr val="FFFFFF"/>
-                </a:solidFill>
-              </a14:hiddenFill>
-            </a:ext>
-          </a:extLst>
-        </p:spPr>
-      </p:pic>
-      <p:sp>
-        <p:nvSpPr>
-          <p:cNvPr id="10" name="TextBox 9">
-            <a:extLst>
-              <a:ext uri="{FF2B5EF4-FFF2-40B4-BE49-F238E27FC236}">
-                <a16:creationId xmlns:a16="http://schemas.microsoft.com/office/drawing/2014/main" id="{265FE046-26F4-420C-8EB9-0D44A89A8912}"/>
-              </a:ext>
-            </a:extLst>
-          </p:cNvPr>
-          <p:cNvSpPr txBox="1"/>
-          <p:nvPr/>
-        </p:nvSpPr>
-        <p:spPr>
-          <a:xfrm>
-            <a:off x="6090574" y="2421682"/>
-            <a:ext cx="5779694" cy="3639289"/>
-          </a:xfrm>
-          <a:prstGeom prst="rect">
-            <a:avLst/>
-          </a:prstGeom>
-        </p:spPr>
-        <p:txBody>
-          <a:bodyPr vert="horz" lIns="91440" tIns="45720" rIns="91440" bIns="45720" rtlCol="0" anchor="ctr">
-            <a:normAutofit fontScale="92500" lnSpcReduction="10000"/>
-          </a:bodyPr>
-          <a:lstStyle/>
-          <a:p>
-            <a:pPr>
-              <a:lnSpc>
-                <a:spcPct val="90000"/>
-              </a:lnSpc>
-              <a:spcAft>
-                <a:spcPts val="600"/>
-              </a:spcAft>
-            </a:pPr>
-            <a:r>
-              <a:rPr lang="en-US" sz="2800" b="1" dirty="0">
-                <a:solidFill>
-                  <a:schemeClr val="accent1">
-                    <a:lumMod val="75000"/>
-                  </a:schemeClr>
-                </a:solidFill>
-              </a:rPr>
-              <a:t>Unemployed</a:t>
-            </a:r>
-          </a:p>
-          <a:p>
-            <a:pPr indent="-228600">
-              <a:lnSpc>
-                <a:spcPct val="90000"/>
-              </a:lnSpc>
-              <a:spcAft>
-                <a:spcPts val="600"/>
-              </a:spcAft>
-              <a:buFont typeface="Arial" panose="020B0604020202020204" pitchFamily="34" charset="0"/>
-              <a:buChar char="•"/>
-            </a:pPr>
-            <a:r>
-              <a:rPr lang="en-US" sz="2800" dirty="0">
-                <a:solidFill>
-                  <a:schemeClr val="accent1">
-                    <a:lumMod val="75000"/>
-                  </a:schemeClr>
-                </a:solidFill>
-              </a:rPr>
-              <a:t>aged 15 to 74 </a:t>
-            </a:r>
-          </a:p>
-          <a:p>
-            <a:pPr indent="-228600">
-              <a:lnSpc>
-                <a:spcPct val="90000"/>
-              </a:lnSpc>
-              <a:spcAft>
-                <a:spcPts val="600"/>
-              </a:spcAft>
-              <a:buFont typeface="Arial" panose="020B0604020202020204" pitchFamily="34" charset="0"/>
-              <a:buChar char="•"/>
-            </a:pPr>
-            <a:r>
-              <a:rPr lang="en-US" sz="2800" dirty="0">
-                <a:solidFill>
-                  <a:schemeClr val="accent1">
-                    <a:lumMod val="75000"/>
-                  </a:schemeClr>
-                </a:solidFill>
-              </a:rPr>
-              <a:t>without work   </a:t>
-            </a:r>
-          </a:p>
-          <a:p>
-            <a:pPr indent="-228600">
-              <a:lnSpc>
-                <a:spcPct val="90000"/>
-              </a:lnSpc>
-              <a:spcAft>
-                <a:spcPts val="600"/>
-              </a:spcAft>
-              <a:buFont typeface="Arial" panose="020B0604020202020204" pitchFamily="34" charset="0"/>
-              <a:buChar char="•"/>
-            </a:pPr>
-            <a:r>
-              <a:rPr lang="en-US" sz="2800" dirty="0">
-                <a:solidFill>
-                  <a:schemeClr val="accent1">
-                    <a:lumMod val="75000"/>
-                  </a:schemeClr>
-                </a:solidFill>
-              </a:rPr>
-              <a:t>actively  sought employment </a:t>
-            </a:r>
-          </a:p>
-          <a:p>
-            <a:pPr>
-              <a:lnSpc>
-                <a:spcPct val="90000"/>
-              </a:lnSpc>
-              <a:spcAft>
-                <a:spcPts val="600"/>
-              </a:spcAft>
-            </a:pPr>
-            <a:r>
-              <a:rPr lang="en-US" sz="2800" dirty="0">
-                <a:solidFill>
-                  <a:schemeClr val="accent1">
-                    <a:lumMod val="75000"/>
-                  </a:schemeClr>
-                </a:solidFill>
-              </a:rPr>
-              <a:t>   in the last 4 weeks</a:t>
-            </a:r>
-          </a:p>
-          <a:p>
-            <a:pPr indent="-228600">
-              <a:lnSpc>
-                <a:spcPct val="90000"/>
-              </a:lnSpc>
-              <a:spcAft>
-                <a:spcPts val="600"/>
-              </a:spcAft>
-              <a:buFont typeface="Arial" panose="020B0604020202020204" pitchFamily="34" charset="0"/>
-              <a:buChar char="•"/>
-            </a:pPr>
-            <a:endParaRPr lang="en-US" sz="2800" b="1" dirty="0">
-              <a:solidFill>
-                <a:schemeClr val="accent1">
-                  <a:lumMod val="75000"/>
-                </a:schemeClr>
-              </a:solidFill>
-            </a:endParaRPr>
-          </a:p>
-          <a:p>
-            <a:pPr>
-              <a:lnSpc>
-                <a:spcPct val="90000"/>
-              </a:lnSpc>
-              <a:spcAft>
-                <a:spcPts val="600"/>
-              </a:spcAft>
-            </a:pPr>
-            <a:r>
-              <a:rPr lang="en-US" sz="2800" b="1" dirty="0">
-                <a:solidFill>
-                  <a:schemeClr val="accent1">
-                    <a:lumMod val="75000"/>
-                  </a:schemeClr>
-                </a:solidFill>
-              </a:rPr>
-              <a:t>Employed</a:t>
-            </a:r>
-          </a:p>
-          <a:p>
-            <a:pPr indent="-228600">
-              <a:lnSpc>
-                <a:spcPct val="90000"/>
-              </a:lnSpc>
-              <a:spcAft>
-                <a:spcPts val="600"/>
-              </a:spcAft>
-              <a:buFont typeface="Arial" panose="020B0604020202020204" pitchFamily="34" charset="0"/>
-              <a:buChar char="•"/>
-            </a:pPr>
-            <a:r>
-              <a:rPr lang="en-US" sz="2800" dirty="0">
-                <a:solidFill>
-                  <a:schemeClr val="accent1">
-                    <a:lumMod val="75000"/>
-                  </a:schemeClr>
-                </a:solidFill>
-              </a:rPr>
-              <a:t>no. of people engaged in productive</a:t>
-            </a:r>
-          </a:p>
-          <a:p>
-            <a:pPr>
-              <a:lnSpc>
-                <a:spcPct val="90000"/>
-              </a:lnSpc>
-              <a:spcAft>
-                <a:spcPts val="600"/>
-              </a:spcAft>
-            </a:pPr>
-            <a:r>
-              <a:rPr lang="en-US" sz="2800" dirty="0">
-                <a:solidFill>
-                  <a:schemeClr val="accent1">
-                    <a:lumMod val="75000"/>
-                  </a:schemeClr>
-                </a:solidFill>
-              </a:rPr>
-              <a:t>   activities in an economy</a:t>
-            </a:r>
-          </a:p>
-          <a:p>
-            <a:pPr indent="-228600">
-              <a:lnSpc>
-                <a:spcPct val="90000"/>
-              </a:lnSpc>
-              <a:spcAft>
-                <a:spcPts val="600"/>
-              </a:spcAft>
-              <a:buFont typeface="Arial" panose="020B0604020202020204" pitchFamily="34" charset="0"/>
-              <a:buChar char="•"/>
-            </a:pPr>
-            <a:endParaRPr lang="en-US" sz="2000" dirty="0">
-              <a:ln w="0"/>
-              <a:solidFill>
-                <a:srgbClr val="000000"/>
-              </a:solidFill>
-              <a:effectLst>
-                <a:outerShdw blurRad="38100" dist="19050" dir="2700000" algn="tl" rotWithShape="0">
-                  <a:schemeClr val="dk1">
-                    <a:alpha val="40000"/>
-                  </a:schemeClr>
-                </a:outerShdw>
-              </a:effectLst>
-            </a:endParaRPr>
-          </a:p>
-        </p:txBody>
-      </p:sp>
-    </p:spTree>
-    <p:extLst>
-      <p:ext uri="{BB962C8B-B14F-4D97-AF65-F5344CB8AC3E}">
-        <p14:creationId xmlns:p14="http://schemas.microsoft.com/office/powerpoint/2010/main" val="2666343522"/>
-      </p:ext>
-    </p:extLst>
-  </p:cSld>
-  <p:clrMapOvr>
-    <a:masterClrMapping/>
-  </p:clrMapOvr>
-</p:sld>
-</file>
-
-<file path=ppt/slides/slide3.xml><?xml version="1.0" encoding="utf-8"?>
 <p:sld xmlns:a="http://schemas.openxmlformats.org/drawingml/2006/main" xmlns:r="http://schemas.openxmlformats.org/officeDocument/2006/relationships" xmlns:p="http://schemas.openxmlformats.org/presentationml/2006/main">
   <p:cSld>
     <p:spTree>
@@ -6355,7 +4032,7 @@
 </p:sld>
 </file>
 
-<file path=ppt/slides/slide4.xml><?xml version="1.0" encoding="utf-8"?>
+<file path=ppt/slides/slide3.xml><?xml version="1.0" encoding="utf-8"?>
 <p:sld xmlns:a="http://schemas.openxmlformats.org/drawingml/2006/main" xmlns:r="http://schemas.openxmlformats.org/officeDocument/2006/relationships" xmlns:p="http://schemas.openxmlformats.org/presentationml/2006/main">
   <p:cSld>
     <p:spTree>
@@ -6394,8 +4071,8 @@
         </p:blipFill>
         <p:spPr>
           <a:xfrm>
-            <a:off x="6236414" y="1519089"/>
-            <a:ext cx="5441076" cy="4658849"/>
+            <a:off x="6236414" y="1855083"/>
+            <a:ext cx="5312647" cy="4548883"/>
           </a:xfrm>
           <a:prstGeom prst="rect">
             <a:avLst/>
@@ -6503,9 +4180,7 @@
           <a:prstGeom prst="rect">
             <a:avLst/>
           </a:prstGeom>
-          <a:solidFill>
-            <a:schemeClr val="bg1"/>
-          </a:solidFill>
+          <a:noFill/>
           <a:ln>
             <a:noFill/>
           </a:ln>
@@ -6571,9 +4246,7 @@
           <a:prstGeom prst="rect">
             <a:avLst/>
           </a:prstGeom>
-          <a:solidFill>
-            <a:schemeClr val="bg1"/>
-          </a:solidFill>
+          <a:noFill/>
           <a:ln>
             <a:noFill/>
           </a:ln>
@@ -6652,7 +4325,7 @@
         <p:spPr>
           <a:xfrm>
             <a:off x="919537" y="1855083"/>
-            <a:ext cx="4593650" cy="4515572"/>
+            <a:ext cx="4593650" cy="4548883"/>
           </a:xfrm>
           <a:prstGeom prst="rect">
             <a:avLst/>
@@ -6673,7 +4346,7 @@
         </p:nvSpPr>
         <p:spPr>
           <a:xfrm>
-            <a:off x="7849807" y="3813838"/>
+            <a:off x="7849807" y="4039866"/>
             <a:ext cx="1063681" cy="307777"/>
           </a:xfrm>
           <a:prstGeom prst="rect">
@@ -6719,7 +4392,7 @@
         </p:nvCxnSpPr>
         <p:spPr>
           <a:xfrm>
-            <a:off x="8381647" y="4121615"/>
+            <a:off x="8381647" y="4347643"/>
             <a:ext cx="238371" cy="335992"/>
           </a:xfrm>
           <a:prstGeom prst="line">
@@ -6762,7 +4435,7 @@
         </p:nvCxnSpPr>
         <p:spPr>
           <a:xfrm flipH="1">
-            <a:off x="9760232" y="5131417"/>
+            <a:off x="9760232" y="5357445"/>
             <a:ext cx="462554" cy="373633"/>
           </a:xfrm>
           <a:prstGeom prst="line">
@@ -6803,7 +4476,7 @@
         </p:nvSpPr>
         <p:spPr>
           <a:xfrm>
-            <a:off x="9991509" y="4898018"/>
+            <a:off x="9991509" y="5124046"/>
             <a:ext cx="1063681" cy="307777"/>
           </a:xfrm>
           <a:prstGeom prst="rect">
@@ -6837,6 +4510,233 @@
     <p:extLst>
       <p:ext uri="{BB962C8B-B14F-4D97-AF65-F5344CB8AC3E}">
         <p14:creationId xmlns:p14="http://schemas.microsoft.com/office/powerpoint/2010/main" val="2917771237"/>
+      </p:ext>
+    </p:extLst>
+  </p:cSld>
+  <p:clrMapOvr>
+    <a:masterClrMapping/>
+  </p:clrMapOvr>
+</p:sld>
+</file>
+
+<file path=ppt/slides/slide4.xml><?xml version="1.0" encoding="utf-8"?>
+<p:sld xmlns:a="http://schemas.openxmlformats.org/drawingml/2006/main" xmlns:r="http://schemas.openxmlformats.org/officeDocument/2006/relationships" xmlns:p="http://schemas.openxmlformats.org/presentationml/2006/main">
+  <p:cSld>
+    <p:spTree>
+      <p:nvGrpSpPr>
+        <p:cNvPr id="1" name=""/>
+        <p:cNvGrpSpPr/>
+        <p:nvPr/>
+      </p:nvGrpSpPr>
+      <p:grpSpPr>
+        <a:xfrm>
+          <a:off x="0" y="0"/>
+          <a:ext cx="0" cy="0"/>
+          <a:chOff x="0" y="0"/>
+          <a:chExt cx="0" cy="0"/>
+        </a:xfrm>
+      </p:grpSpPr>
+      <p:sp>
+        <p:nvSpPr>
+          <p:cNvPr id="9" name="Rectangle 8">
+            <a:extLst>
+              <a:ext uri="{FF2B5EF4-FFF2-40B4-BE49-F238E27FC236}">
+                <a16:creationId xmlns:a16="http://schemas.microsoft.com/office/drawing/2014/main" id="{37C47579-0496-44E5-BD68-D77E5AC3701B}"/>
+              </a:ext>
+            </a:extLst>
+          </p:cNvPr>
+          <p:cNvSpPr/>
+          <p:nvPr/>
+        </p:nvSpPr>
+        <p:spPr>
+          <a:xfrm>
+            <a:off x="0" y="228990"/>
+            <a:ext cx="12191999" cy="646331"/>
+          </a:xfrm>
+          <a:prstGeom prst="rect">
+            <a:avLst/>
+          </a:prstGeom>
+          <a:noFill/>
+        </p:spPr>
+        <p:txBody>
+          <a:bodyPr wrap="square" lIns="91440" tIns="45720" rIns="91440" bIns="45720">
+            <a:spAutoFit/>
+          </a:bodyPr>
+          <a:lstStyle/>
+          <a:p>
+            <a:pPr algn="ctr"/>
+            <a:r>
+              <a:rPr lang="de-DE" sz="3600" dirty="0">
+                <a:ln w="0"/>
+                <a:solidFill>
+                  <a:schemeClr val="accent1">
+                    <a:lumMod val="75000"/>
+                  </a:schemeClr>
+                </a:solidFill>
+                <a:effectLst>
+                  <a:outerShdw blurRad="38100" dist="19050" dir="2700000" algn="tl" rotWithShape="0">
+                    <a:schemeClr val="dk1">
+                      <a:alpha val="40000"/>
+                    </a:schemeClr>
+                  </a:outerShdw>
+                </a:effectLst>
+              </a:rPr>
+              <a:t>LESS UNEMPLOYMENT IN COUNTRIES WITH A HIGH GDP</a:t>
+            </a:r>
+            <a:endParaRPr lang="en-US" sz="3600" dirty="0">
+              <a:ln w="0"/>
+              <a:solidFill>
+                <a:schemeClr val="accent1">
+                  <a:lumMod val="75000"/>
+                </a:schemeClr>
+              </a:solidFill>
+              <a:effectLst>
+                <a:outerShdw blurRad="38100" dist="19050" dir="2700000" algn="tl" rotWithShape="0">
+                  <a:schemeClr val="dk1">
+                    <a:alpha val="40000"/>
+                  </a:schemeClr>
+                </a:outerShdw>
+              </a:effectLst>
+            </a:endParaRPr>
+          </a:p>
+        </p:txBody>
+      </p:sp>
+      <p:sp>
+        <p:nvSpPr>
+          <p:cNvPr id="2" name="Rectangle 1">
+            <a:extLst>
+              <a:ext uri="{FF2B5EF4-FFF2-40B4-BE49-F238E27FC236}">
+                <a16:creationId xmlns:a16="http://schemas.microsoft.com/office/drawing/2014/main" id="{D29B8B19-F924-437E-B13C-E34F200BF6FA}"/>
+              </a:ext>
+            </a:extLst>
+          </p:cNvPr>
+          <p:cNvSpPr/>
+          <p:nvPr/>
+        </p:nvSpPr>
+        <p:spPr>
+          <a:xfrm>
+            <a:off x="2018640" y="1370756"/>
+            <a:ext cx="3592993" cy="531389"/>
+          </a:xfrm>
+          <a:prstGeom prst="rect">
+            <a:avLst/>
+          </a:prstGeom>
+          <a:noFill/>
+          <a:ln>
+            <a:noFill/>
+          </a:ln>
+        </p:spPr>
+        <p:style>
+          <a:lnRef idx="2">
+            <a:schemeClr val="accent1">
+              <a:shade val="50000"/>
+            </a:schemeClr>
+          </a:lnRef>
+          <a:fillRef idx="1">
+            <a:schemeClr val="accent1"/>
+          </a:fillRef>
+          <a:effectRef idx="0">
+            <a:schemeClr val="accent1"/>
+          </a:effectRef>
+          <a:fontRef idx="minor">
+            <a:schemeClr val="lt1"/>
+          </a:fontRef>
+        </p:style>
+        <p:txBody>
+          <a:bodyPr rtlCol="0" anchor="ctr"/>
+          <a:lstStyle/>
+          <a:p>
+            <a:pPr algn="ctr"/>
+            <a:r>
+              <a:rPr lang="de-DE" sz="2800" dirty="0">
+                <a:solidFill>
+                  <a:schemeClr val="accent1">
+                    <a:lumMod val="75000"/>
+                  </a:schemeClr>
+                </a:solidFill>
+              </a:rPr>
+              <a:t>Germany</a:t>
+            </a:r>
+            <a:endParaRPr lang="en-US" sz="2800" dirty="0">
+              <a:solidFill>
+                <a:schemeClr val="accent1">
+                  <a:lumMod val="75000"/>
+                </a:schemeClr>
+              </a:solidFill>
+            </a:endParaRPr>
+          </a:p>
+        </p:txBody>
+      </p:sp>
+      <p:sp>
+        <p:nvSpPr>
+          <p:cNvPr id="3" name="Rectangle 2">
+            <a:extLst>
+              <a:ext uri="{FF2B5EF4-FFF2-40B4-BE49-F238E27FC236}">
+                <a16:creationId xmlns:a16="http://schemas.microsoft.com/office/drawing/2014/main" id="{C83013A7-A3AD-4E4B-9B00-5E0E508FBB98}"/>
+              </a:ext>
+            </a:extLst>
+          </p:cNvPr>
+          <p:cNvSpPr/>
+          <p:nvPr/>
+        </p:nvSpPr>
+        <p:spPr>
+          <a:xfrm>
+            <a:off x="7521343" y="1370756"/>
+            <a:ext cx="3592993" cy="531389"/>
+          </a:xfrm>
+          <a:prstGeom prst="rect">
+            <a:avLst/>
+          </a:prstGeom>
+          <a:noFill/>
+          <a:ln>
+            <a:noFill/>
+          </a:ln>
+        </p:spPr>
+        <p:style>
+          <a:lnRef idx="2">
+            <a:schemeClr val="accent1">
+              <a:shade val="50000"/>
+            </a:schemeClr>
+          </a:lnRef>
+          <a:fillRef idx="1">
+            <a:schemeClr val="accent1"/>
+          </a:fillRef>
+          <a:effectRef idx="0">
+            <a:schemeClr val="accent1"/>
+          </a:effectRef>
+          <a:fontRef idx="minor">
+            <a:schemeClr val="lt1"/>
+          </a:fontRef>
+        </p:style>
+        <p:txBody>
+          <a:bodyPr rtlCol="0" anchor="ctr"/>
+          <a:lstStyle/>
+          <a:p>
+            <a:pPr algn="ctr"/>
+            <a:r>
+              <a:rPr lang="de-DE" sz="2800" dirty="0" err="1">
+                <a:solidFill>
+                  <a:schemeClr val="accent1">
+                    <a:lumMod val="75000"/>
+                  </a:schemeClr>
+                </a:solidFill>
+              </a:rPr>
+              <a:t>Greece</a:t>
+            </a:r>
+            <a:endParaRPr lang="en-US" sz="2800" dirty="0">
+              <a:solidFill>
+                <a:schemeClr val="accent1">
+                  <a:lumMod val="75000"/>
+                </a:schemeClr>
+              </a:solidFill>
+            </a:endParaRPr>
+          </a:p>
+        </p:txBody>
+      </p:sp>
+    </p:spTree>
+    <p:extLst>
+      <p:ext uri="{BB962C8B-B14F-4D97-AF65-F5344CB8AC3E}">
+        <p14:creationId xmlns:p14="http://schemas.microsoft.com/office/powerpoint/2010/main" val="961226815"/>
       </p:ext>
     </p:extLst>
   </p:cSld>
@@ -6908,7 +4808,7 @@
                   </a:outerShdw>
                 </a:effectLst>
               </a:rPr>
-              <a:t>LESS UNEMPLOYMENT IN COUNTRIES WITH A HIGH GDP</a:t>
+              <a:t>HIGHER EDUCATION ENSURES JOB SECURITY</a:t>
             </a:r>
             <a:endParaRPr lang="en-US" sz="3600" dirty="0">
               <a:ln w="0"/>
@@ -6933,7 +4833,7 @@
           <p:cNvPr id="2" name="Rectangle 1">
             <a:extLst>
               <a:ext uri="{FF2B5EF4-FFF2-40B4-BE49-F238E27FC236}">
-                <a16:creationId xmlns:a16="http://schemas.microsoft.com/office/drawing/2014/main" id="{D29B8B19-F924-437E-B13C-E34F200BF6FA}"/>
+                <a16:creationId xmlns:a16="http://schemas.microsoft.com/office/drawing/2014/main" id="{D7324A1E-FB88-48A8-B515-1B1F35A2A223}"/>
               </a:ext>
             </a:extLst>
           </p:cNvPr>
@@ -6948,9 +4848,7 @@
           <a:prstGeom prst="rect">
             <a:avLst/>
           </a:prstGeom>
-          <a:solidFill>
-            <a:schemeClr val="bg1"/>
-          </a:solidFill>
+          <a:noFill/>
           <a:ln>
             <a:noFill/>
           </a:ln>
@@ -6998,10 +4896,10 @@
       </p:sp>
       <p:sp>
         <p:nvSpPr>
-          <p:cNvPr id="3" name="Rectangle 2">
-            <a:extLst>
-              <a:ext uri="{FF2B5EF4-FFF2-40B4-BE49-F238E27FC236}">
-                <a16:creationId xmlns:a16="http://schemas.microsoft.com/office/drawing/2014/main" id="{C83013A7-A3AD-4E4B-9B00-5E0E508FBB98}"/>
+          <p:cNvPr id="4" name="Rectangle 3">
+            <a:extLst>
+              <a:ext uri="{FF2B5EF4-FFF2-40B4-BE49-F238E27FC236}">
+                <a16:creationId xmlns:a16="http://schemas.microsoft.com/office/drawing/2014/main" id="{EEF8ADD8-8A51-4DCD-BA91-519A06DCF125}"/>
               </a:ext>
             </a:extLst>
           </p:cNvPr>
@@ -7016,9 +4914,7 @@
           <a:prstGeom prst="rect">
             <a:avLst/>
           </a:prstGeom>
-          <a:solidFill>
-            <a:schemeClr val="bg1"/>
-          </a:solidFill>
+          <a:noFill/>
           <a:ln>
             <a:noFill/>
           </a:ln>
@@ -7067,7 +4963,7 @@
     </p:spTree>
     <p:extLst>
       <p:ext uri="{BB962C8B-B14F-4D97-AF65-F5344CB8AC3E}">
-        <p14:creationId xmlns:p14="http://schemas.microsoft.com/office/powerpoint/2010/main" val="961226815"/>
+        <p14:creationId xmlns:p14="http://schemas.microsoft.com/office/powerpoint/2010/main" val="2282315825"/>
       </p:ext>
     </p:extLst>
   </p:cSld>
@@ -7139,7 +5035,7 @@
                   </a:outerShdw>
                 </a:effectLst>
               </a:rPr>
-              <a:t>HIGHER EDUCATION ENSURES JOB SECURITY</a:t>
+              <a:t>HIGHER UNEMPLOYMENT AMONG FEMALES</a:t>
             </a:r>
             <a:endParaRPr lang="en-US" sz="3600" dirty="0">
               <a:ln w="0"/>
@@ -7164,7 +5060,7 @@
           <p:cNvPr id="2" name="Rectangle 1">
             <a:extLst>
               <a:ext uri="{FF2B5EF4-FFF2-40B4-BE49-F238E27FC236}">
-                <a16:creationId xmlns:a16="http://schemas.microsoft.com/office/drawing/2014/main" id="{D7324A1E-FB88-48A8-B515-1B1F35A2A223}"/>
+                <a16:creationId xmlns:a16="http://schemas.microsoft.com/office/drawing/2014/main" id="{5BAD1D1E-538B-4A4A-972F-E19AE6889AF6}"/>
               </a:ext>
             </a:extLst>
           </p:cNvPr>
@@ -7179,9 +5075,7 @@
           <a:prstGeom prst="rect">
             <a:avLst/>
           </a:prstGeom>
-          <a:solidFill>
-            <a:schemeClr val="bg1"/>
-          </a:solidFill>
+          <a:noFill/>
           <a:ln>
             <a:noFill/>
           </a:ln>
@@ -7232,7 +5126,7 @@
           <p:cNvPr id="4" name="Rectangle 3">
             <a:extLst>
               <a:ext uri="{FF2B5EF4-FFF2-40B4-BE49-F238E27FC236}">
-                <a16:creationId xmlns:a16="http://schemas.microsoft.com/office/drawing/2014/main" id="{EEF8ADD8-8A51-4DCD-BA91-519A06DCF125}"/>
+                <a16:creationId xmlns:a16="http://schemas.microsoft.com/office/drawing/2014/main" id="{E423AE87-4636-4BE3-9398-EE0697F424B4}"/>
               </a:ext>
             </a:extLst>
           </p:cNvPr>
@@ -7247,9 +5141,7 @@
           <a:prstGeom prst="rect">
             <a:avLst/>
           </a:prstGeom>
-          <a:solidFill>
-            <a:schemeClr val="bg1"/>
-          </a:solidFill>
+          <a:noFill/>
           <a:ln>
             <a:noFill/>
           </a:ln>
@@ -7298,7 +5190,7 @@
     </p:spTree>
     <p:extLst>
       <p:ext uri="{BB962C8B-B14F-4D97-AF65-F5344CB8AC3E}">
-        <p14:creationId xmlns:p14="http://schemas.microsoft.com/office/powerpoint/2010/main" val="2282315825"/>
+        <p14:creationId xmlns:p14="http://schemas.microsoft.com/office/powerpoint/2010/main" val="1972977334"/>
       </p:ext>
     </p:extLst>
   </p:cSld>
@@ -7370,7 +5262,7 @@
                   </a:outerShdw>
                 </a:effectLst>
               </a:rPr>
-              <a:t>HIGHER UNEMPLOYMENT AMONG FEMALES</a:t>
+              <a:t>Data Sources</a:t>
             </a:r>
             <a:endParaRPr lang="en-US" sz="3600" dirty="0">
               <a:ln w="0"/>
@@ -7390,146 +5282,104 @@
           </a:p>
         </p:txBody>
       </p:sp>
-      <p:sp>
-        <p:nvSpPr>
-          <p:cNvPr id="2" name="Rectangle 1">
-            <a:extLst>
-              <a:ext uri="{FF2B5EF4-FFF2-40B4-BE49-F238E27FC236}">
-                <a16:creationId xmlns:a16="http://schemas.microsoft.com/office/drawing/2014/main" id="{5BAD1D1E-538B-4A4A-972F-E19AE6889AF6}"/>
-              </a:ext>
-            </a:extLst>
-          </p:cNvPr>
-          <p:cNvSpPr/>
+      <p:pic>
+        <p:nvPicPr>
+          <p:cNvPr id="1026" name="Picture 2" descr="Eurostat_en - Eurostat">
+            <a:extLst>
+              <a:ext uri="{FF2B5EF4-FFF2-40B4-BE49-F238E27FC236}">
+                <a16:creationId xmlns:a16="http://schemas.microsoft.com/office/drawing/2014/main" id="{B7C72B92-5E9D-45C9-97B1-16811066C83D}"/>
+              </a:ext>
+            </a:extLst>
+          </p:cNvPr>
+          <p:cNvPicPr>
+            <a:picLocks noChangeAspect="1" noChangeArrowheads="1"/>
+          </p:cNvPicPr>
           <p:nvPr/>
-        </p:nvSpPr>
-        <p:spPr>
+        </p:nvPicPr>
+        <p:blipFill>
+          <a:blip r:embed="rId2">
+            <a:extLst>
+              <a:ext uri="{28A0092B-C50C-407E-A947-70E740481C1C}">
+                <a14:useLocalDpi xmlns:a14="http://schemas.microsoft.com/office/drawing/2010/main" val="0"/>
+              </a:ext>
+            </a:extLst>
+          </a:blip>
+          <a:srcRect/>
+          <a:stretch>
+            <a:fillRect/>
+          </a:stretch>
+        </p:blipFill>
+        <p:spPr bwMode="auto">
           <a:xfrm>
-            <a:off x="2018640" y="1370756"/>
-            <a:ext cx="3592993" cy="531389"/>
+            <a:off x="4077783" y="2047469"/>
+            <a:ext cx="4417434" cy="647890"/>
           </a:xfrm>
           <a:prstGeom prst="rect">
             <a:avLst/>
           </a:prstGeom>
-          <a:solidFill>
-            <a:schemeClr val="bg1"/>
-          </a:solidFill>
-          <a:ln>
-            <a:noFill/>
-          </a:ln>
+          <a:noFill/>
+          <a:extLst>
+            <a:ext uri="{909E8E84-426E-40DD-AFC4-6F175D3DCCD1}">
+              <a14:hiddenFill xmlns:a14="http://schemas.microsoft.com/office/drawing/2010/main">
+                <a:solidFill>
+                  <a:srgbClr val="FFFFFF"/>
+                </a:solidFill>
+              </a14:hiddenFill>
+            </a:ext>
+          </a:extLst>
         </p:spPr>
-        <p:style>
-          <a:lnRef idx="2">
-            <a:schemeClr val="accent1">
-              <a:shade val="50000"/>
-            </a:schemeClr>
-          </a:lnRef>
-          <a:fillRef idx="1">
-            <a:schemeClr val="accent1"/>
-          </a:fillRef>
-          <a:effectRef idx="0">
-            <a:schemeClr val="accent1"/>
-          </a:effectRef>
-          <a:fontRef idx="minor">
-            <a:schemeClr val="lt1"/>
-          </a:fontRef>
-        </p:style>
-        <p:txBody>
-          <a:bodyPr rtlCol="0" anchor="ctr"/>
-          <a:lstStyle/>
-          <a:p>
-            <a:pPr algn="ctr"/>
-            <a:r>
-              <a:rPr lang="de-DE" sz="2800" dirty="0">
-                <a:solidFill>
-                  <a:schemeClr val="accent1">
-                    <a:lumMod val="75000"/>
-                  </a:schemeClr>
-                </a:solidFill>
-              </a:rPr>
-              <a:t>Germany</a:t>
-            </a:r>
-            <a:endParaRPr lang="en-US" sz="2800" dirty="0">
-              <a:solidFill>
-                <a:schemeClr val="accent1">
-                  <a:lumMod val="75000"/>
-                </a:schemeClr>
-              </a:solidFill>
-            </a:endParaRPr>
-          </a:p>
-        </p:txBody>
-      </p:sp>
-      <p:sp>
-        <p:nvSpPr>
-          <p:cNvPr id="4" name="Rectangle 3">
-            <a:extLst>
-              <a:ext uri="{FF2B5EF4-FFF2-40B4-BE49-F238E27FC236}">
-                <a16:creationId xmlns:a16="http://schemas.microsoft.com/office/drawing/2014/main" id="{E423AE87-4636-4BE3-9398-EE0697F424B4}"/>
-              </a:ext>
-            </a:extLst>
-          </p:cNvPr>
-          <p:cNvSpPr/>
+      </p:pic>
+      <p:pic>
+        <p:nvPicPr>
+          <p:cNvPr id="1028" name="Picture 4">
+            <a:extLst>
+              <a:ext uri="{FF2B5EF4-FFF2-40B4-BE49-F238E27FC236}">
+                <a16:creationId xmlns:a16="http://schemas.microsoft.com/office/drawing/2014/main" id="{28CFBA0B-025F-4DE4-9594-423853FCF24F}"/>
+              </a:ext>
+            </a:extLst>
+          </p:cNvPr>
+          <p:cNvPicPr>
+            <a:picLocks noChangeAspect="1" noChangeArrowheads="1"/>
+          </p:cNvPicPr>
           <p:nvPr/>
-        </p:nvSpPr>
-        <p:spPr>
+        </p:nvPicPr>
+        <p:blipFill>
+          <a:blip r:embed="rId3">
+            <a:extLst>
+              <a:ext uri="{28A0092B-C50C-407E-A947-70E740481C1C}">
+                <a14:useLocalDpi xmlns:a14="http://schemas.microsoft.com/office/drawing/2010/main" val="0"/>
+              </a:ext>
+            </a:extLst>
+          </a:blip>
+          <a:srcRect/>
+          <a:stretch>
+            <a:fillRect/>
+          </a:stretch>
+        </p:blipFill>
+        <p:spPr bwMode="auto">
           <a:xfrm>
-            <a:off x="7521343" y="1370756"/>
-            <a:ext cx="3592993" cy="531389"/>
+            <a:off x="3444240" y="3777639"/>
+            <a:ext cx="5684520" cy="1447776"/>
           </a:xfrm>
           <a:prstGeom prst="rect">
             <a:avLst/>
           </a:prstGeom>
-          <a:solidFill>
-            <a:schemeClr val="bg1"/>
-          </a:solidFill>
-          <a:ln>
-            <a:noFill/>
-          </a:ln>
+          <a:noFill/>
+          <a:extLst>
+            <a:ext uri="{909E8E84-426E-40DD-AFC4-6F175D3DCCD1}">
+              <a14:hiddenFill xmlns:a14="http://schemas.microsoft.com/office/drawing/2010/main">
+                <a:solidFill>
+                  <a:srgbClr val="FFFFFF"/>
+                </a:solidFill>
+              </a14:hiddenFill>
+            </a:ext>
+          </a:extLst>
         </p:spPr>
-        <p:style>
-          <a:lnRef idx="2">
-            <a:schemeClr val="accent1">
-              <a:shade val="50000"/>
-            </a:schemeClr>
-          </a:lnRef>
-          <a:fillRef idx="1">
-            <a:schemeClr val="accent1"/>
-          </a:fillRef>
-          <a:effectRef idx="0">
-            <a:schemeClr val="accent1"/>
-          </a:effectRef>
-          <a:fontRef idx="minor">
-            <a:schemeClr val="lt1"/>
-          </a:fontRef>
-        </p:style>
-        <p:txBody>
-          <a:bodyPr rtlCol="0" anchor="ctr"/>
-          <a:lstStyle/>
-          <a:p>
-            <a:pPr algn="ctr"/>
-            <a:r>
-              <a:rPr lang="de-DE" sz="2800" dirty="0" err="1">
-                <a:solidFill>
-                  <a:schemeClr val="accent1">
-                    <a:lumMod val="75000"/>
-                  </a:schemeClr>
-                </a:solidFill>
-              </a:rPr>
-              <a:t>Greece</a:t>
-            </a:r>
-            <a:endParaRPr lang="en-US" sz="2800" dirty="0">
-              <a:solidFill>
-                <a:schemeClr val="accent1">
-                  <a:lumMod val="75000"/>
-                </a:schemeClr>
-              </a:solidFill>
-            </a:endParaRPr>
-          </a:p>
-        </p:txBody>
-      </p:sp>
+      </p:pic>
     </p:spTree>
     <p:extLst>
       <p:ext uri="{BB962C8B-B14F-4D97-AF65-F5344CB8AC3E}">
-        <p14:creationId xmlns:p14="http://schemas.microsoft.com/office/powerpoint/2010/main" val="1972977334"/>
+        <p14:creationId xmlns:p14="http://schemas.microsoft.com/office/powerpoint/2010/main" val="2302115754"/>
       </p:ext>
     </p:extLst>
   </p:cSld>
